--- a/3.Game Handle with sensor course/12.The game of Summer/12.The game of Summer.pptx
+++ b/3.Game Handle with sensor course/12.The game of Summer/12.The game of Summer.pptx
@@ -2368,7 +2368,7 @@
         <a:spcBef>
           <a:spcPts val="1000"/>
         </a:spcBef>
-        <a:buFont typeface="Arial" panose="020B0604020202020204" pitchFamily="34" charset="0"/>
+        <a:buFont typeface="Arial" pitchFamily="34" charset="0"/>
         <a:buChar char="•"/>
         <a:defRPr sz="2800" kern="1200">
           <a:solidFill>
@@ -2386,7 +2386,7 @@
         <a:spcBef>
           <a:spcPts val="500"/>
         </a:spcBef>
-        <a:buFont typeface="Arial" panose="020B0604020202020204" pitchFamily="34" charset="0"/>
+        <a:buFont typeface="Arial" pitchFamily="34" charset="0"/>
         <a:buChar char="•"/>
         <a:defRPr sz="2400" kern="1200">
           <a:solidFill>
@@ -2404,7 +2404,7 @@
         <a:spcBef>
           <a:spcPts val="500"/>
         </a:spcBef>
-        <a:buFont typeface="Arial" panose="020B0604020202020204" pitchFamily="34" charset="0"/>
+        <a:buFont typeface="Arial" pitchFamily="34" charset="0"/>
         <a:buChar char="•"/>
         <a:defRPr sz="2000" kern="1200">
           <a:solidFill>
@@ -2422,7 +2422,7 @@
         <a:spcBef>
           <a:spcPts val="500"/>
         </a:spcBef>
-        <a:buFont typeface="Arial" panose="020B0604020202020204" pitchFamily="34" charset="0"/>
+        <a:buFont typeface="Arial" pitchFamily="34" charset="0"/>
         <a:buChar char="•"/>
         <a:defRPr sz="1800" kern="1200">
           <a:solidFill>
@@ -2440,7 +2440,7 @@
         <a:spcBef>
           <a:spcPts val="500"/>
         </a:spcBef>
-        <a:buFont typeface="Arial" panose="020B0604020202020204" pitchFamily="34" charset="0"/>
+        <a:buFont typeface="Arial" pitchFamily="34" charset="0"/>
         <a:buChar char="•"/>
         <a:defRPr sz="1800" kern="1200">
           <a:solidFill>
@@ -2458,7 +2458,7 @@
         <a:spcBef>
           <a:spcPts val="500"/>
         </a:spcBef>
-        <a:buFont typeface="Arial" panose="020B0604020202020204" pitchFamily="34" charset="0"/>
+        <a:buFont typeface="Arial" pitchFamily="34" charset="0"/>
         <a:buChar char="•"/>
         <a:defRPr sz="1800" kern="1200">
           <a:solidFill>
@@ -2476,7 +2476,7 @@
         <a:spcBef>
           <a:spcPts val="500"/>
         </a:spcBef>
-        <a:buFont typeface="Arial" panose="020B0604020202020204" pitchFamily="34" charset="0"/>
+        <a:buFont typeface="Arial" pitchFamily="34" charset="0"/>
         <a:buChar char="•"/>
         <a:defRPr sz="1800" kern="1200">
           <a:solidFill>
@@ -2494,7 +2494,7 @@
         <a:spcBef>
           <a:spcPts val="500"/>
         </a:spcBef>
-        <a:buFont typeface="Arial" panose="020B0604020202020204" pitchFamily="34" charset="0"/>
+        <a:buFont typeface="Arial" pitchFamily="34" charset="0"/>
         <a:buChar char="•"/>
         <a:defRPr sz="1800" kern="1200">
           <a:solidFill>
@@ -2512,7 +2512,7 @@
         <a:spcBef>
           <a:spcPts val="500"/>
         </a:spcBef>
-        <a:buFont typeface="Arial" panose="020B0604020202020204" pitchFamily="34" charset="0"/>
+        <a:buFont typeface="Arial" pitchFamily="34" charset="0"/>
         <a:buChar char="•"/>
         <a:defRPr sz="1800" kern="1200">
           <a:solidFill>
@@ -3386,8 +3386,8 @@
                     </a:srgbClr>
                   </a:outerShdw>
                 </a:effectLst>
-                <a:latin typeface="Arial" panose="020B0604020202020204" pitchFamily="34" charset="0"/>
-                <a:ea typeface="Arial" panose="020B0604020202020204" pitchFamily="34" charset="0"/>
+                <a:latin typeface="Arial" pitchFamily="34" charset="0"/>
+                <a:ea typeface="Arial" pitchFamily="34" charset="0"/>
                 <a:sym typeface="+mn-ea"/>
               </a:rPr>
               <a:t>Lesson 12</a:t>
@@ -3443,8 +3443,8 @@
                     </a:srgbClr>
                   </a:outerShdw>
                 </a:effectLst>
-                <a:latin typeface="Arial" panose="020B0604020202020204" pitchFamily="34" charset="0"/>
-                <a:ea typeface="Arial" panose="020B0604020202020204" pitchFamily="34" charset="0"/>
+                <a:latin typeface="Arial" pitchFamily="34" charset="0"/>
+                <a:ea typeface="Arial" pitchFamily="34" charset="0"/>
                 <a:sym typeface="+mn-ea"/>
               </a:rPr>
               <a:t>micro:bit</a:t>
@@ -3461,8 +3461,8 @@
                     </a:srgbClr>
                   </a:outerShdw>
                 </a:effectLst>
-                <a:latin typeface="Arial" panose="020B0604020202020204" pitchFamily="34" charset="0"/>
-                <a:ea typeface="Arial" panose="020B0604020202020204" pitchFamily="34" charset="0"/>
+                <a:latin typeface="Arial" pitchFamily="34" charset="0"/>
+                <a:ea typeface="Arial" pitchFamily="34" charset="0"/>
                 <a:sym typeface="+mn-ea"/>
               </a:rPr>
               <a:t> </a:t>
@@ -3479,8 +3479,8 @@
                     </a:srgbClr>
                   </a:outerShdw>
                 </a:effectLst>
-                <a:latin typeface="Arial" panose="020B0604020202020204" pitchFamily="34" charset="0"/>
-                <a:ea typeface="Arial" panose="020B0604020202020204" pitchFamily="34" charset="0"/>
+                <a:latin typeface="Arial" pitchFamily="34" charset="0"/>
+                <a:ea typeface="Arial" pitchFamily="34" charset="0"/>
                 <a:sym typeface="+mn-ea"/>
               </a:rPr>
               <a:t>basic lesson 12</a:t>
@@ -3497,8 +3497,8 @@
                     </a:srgbClr>
                   </a:outerShdw>
                 </a:effectLst>
-                <a:latin typeface="Arial" panose="020B0604020202020204" pitchFamily="34" charset="0"/>
-                <a:ea typeface="Arial" panose="020B0604020202020204" pitchFamily="34" charset="0"/>
+                <a:latin typeface="Arial" pitchFamily="34" charset="0"/>
+                <a:ea typeface="Arial" pitchFamily="34" charset="0"/>
               </a:rPr>
               <a:t>“The game of Summer”</a:t>
             </a:r>
@@ -3513,8 +3513,8 @@
                   </a:srgbClr>
                 </a:outerShdw>
               </a:effectLst>
-              <a:latin typeface="Arial" panose="020B0604020202020204" pitchFamily="34" charset="0"/>
-              <a:ea typeface="Arial" panose="020B0604020202020204" pitchFamily="34" charset="0"/>
+              <a:latin typeface="Arial" pitchFamily="34" charset="0"/>
+              <a:ea typeface="Arial" pitchFamily="34" charset="0"/>
             </a:endParaRPr>
           </a:p>
         </p:txBody>
@@ -3544,7 +3544,7 @@
                   <a:schemeClr val="accent2"/>
                 </a:solidFill>
                 <a:latin typeface="+mn-lt"/>
-                <a:ea typeface="微软雅黑" panose="020B0503020204020204" charset="-122"/>
+                <a:ea typeface="微软雅黑" charset="-122"/>
                 <a:cs typeface="+mn-lt"/>
               </a:rPr>
               <a:t>micro:bit p</a:t>
@@ -3555,7 +3555,7 @@
                   <a:schemeClr val="accent2"/>
                 </a:solidFill>
                 <a:latin typeface="+mn-lt"/>
-                <a:ea typeface="微软雅黑" panose="020B0503020204020204" charset="-122"/>
+                <a:ea typeface="微软雅黑" charset="-122"/>
                 <a:cs typeface="+mn-lt"/>
               </a:rPr>
               <a:t>rogramming tutorial</a:t>
@@ -3565,7 +3565,7 @@
                 <a:schemeClr val="accent2"/>
               </a:solidFill>
               <a:latin typeface="+mn-lt"/>
-              <a:ea typeface="微软雅黑" panose="020B0503020204020204" charset="-122"/>
+              <a:ea typeface="微软雅黑" charset="-122"/>
               <a:cs typeface="+mn-lt"/>
             </a:endParaRPr>
           </a:p>
@@ -3966,8 +3966,8 @@
                 <a:solidFill>
                   <a:schemeClr val="bg1"/>
                 </a:solidFill>
-                <a:latin typeface="微软雅黑" panose="020B0503020204020204" charset="-122"/>
-                <a:ea typeface="微软雅黑" panose="020B0503020204020204" charset="-122"/>
+                <a:latin typeface="微软雅黑" charset="-122"/>
+                <a:ea typeface="微软雅黑" charset="-122"/>
                 <a:sym typeface="+mn-ea"/>
               </a:rPr>
               <a:t> Yahboom</a:t>
@@ -3977,8 +3977,8 @@
                 <a:solidFill>
                   <a:schemeClr val="bg1"/>
                 </a:solidFill>
-                <a:latin typeface="微软雅黑" panose="020B0503020204020204" charset="-122"/>
-                <a:ea typeface="微软雅黑" panose="020B0503020204020204" charset="-122"/>
+                <a:latin typeface="微软雅黑" charset="-122"/>
+                <a:ea typeface="微软雅黑" charset="-122"/>
                 <a:sym typeface="+mn-ea"/>
               </a:rPr>
               <a:t>     </a:t>
@@ -3988,8 +3988,8 @@
                 <a:solidFill>
                   <a:schemeClr val="bg1"/>
                 </a:solidFill>
-                <a:latin typeface="微软雅黑" panose="020B0503020204020204" charset="-122"/>
-                <a:ea typeface="微软雅黑" panose="020B0503020204020204" charset="-122"/>
+                <a:latin typeface="微软雅黑" charset="-122"/>
+                <a:ea typeface="微软雅黑" charset="-122"/>
                 <a:sym typeface="+mn-ea"/>
               </a:rPr>
               <a:t>micro:bit t</a:t>
@@ -3999,8 +3999,8 @@
                 <a:solidFill>
                   <a:schemeClr val="bg1"/>
                 </a:solidFill>
-                <a:latin typeface="微软雅黑" panose="020B0503020204020204" charset="-122"/>
-                <a:ea typeface="微软雅黑" panose="020B0503020204020204" charset="-122"/>
+                <a:latin typeface="微软雅黑" charset="-122"/>
+                <a:ea typeface="微软雅黑" charset="-122"/>
                 <a:sym typeface="+mn-ea"/>
               </a:rPr>
               <a:t>utorial</a:t>
@@ -4009,8 +4009,8 @@
               <a:solidFill>
                 <a:schemeClr val="bg1"/>
               </a:solidFill>
-              <a:latin typeface="微软雅黑" panose="020B0503020204020204" charset="-122"/>
-              <a:ea typeface="微软雅黑" panose="020B0503020204020204" charset="-122"/>
+              <a:latin typeface="微软雅黑" charset="-122"/>
+              <a:ea typeface="微软雅黑" charset="-122"/>
               <a:sym typeface="+mn-ea"/>
             </a:endParaRPr>
           </a:p>
@@ -4662,7 +4662,7 @@
                   <a:schemeClr val="accent2"/>
                 </a:solidFill>
                 <a:latin typeface="+mn-lt"/>
-                <a:ea typeface="微软雅黑" panose="020B0503020204020204" charset="-122"/>
+                <a:ea typeface="微软雅黑" charset="-122"/>
                 <a:cs typeface="+mn-lt"/>
               </a:rPr>
               <a:t>micro:bit p</a:t>
@@ -4673,7 +4673,7 @@
                   <a:schemeClr val="accent2"/>
                 </a:solidFill>
                 <a:latin typeface="+mn-lt"/>
-                <a:ea typeface="微软雅黑" panose="020B0503020204020204" charset="-122"/>
+                <a:ea typeface="微软雅黑" charset="-122"/>
                 <a:cs typeface="+mn-lt"/>
               </a:rPr>
               <a:t>rogramming tutorial</a:t>
@@ -4683,7 +4683,7 @@
                 <a:schemeClr val="accent2"/>
               </a:solidFill>
               <a:latin typeface="+mn-lt"/>
-              <a:ea typeface="微软雅黑" panose="020B0503020204020204" charset="-122"/>
+              <a:ea typeface="微软雅黑" charset="-122"/>
               <a:cs typeface="+mn-lt"/>
             </a:endParaRPr>
           </a:p>
@@ -5084,8 +5084,8 @@
                 <a:solidFill>
                   <a:schemeClr val="bg1"/>
                 </a:solidFill>
-                <a:latin typeface="微软雅黑" panose="020B0503020204020204" charset="-122"/>
-                <a:ea typeface="微软雅黑" panose="020B0503020204020204" charset="-122"/>
+                <a:latin typeface="微软雅黑" charset="-122"/>
+                <a:ea typeface="微软雅黑" charset="-122"/>
                 <a:sym typeface="+mn-ea"/>
               </a:rPr>
               <a:t> Yahboom</a:t>
@@ -5095,8 +5095,8 @@
                 <a:solidFill>
                   <a:schemeClr val="bg1"/>
                 </a:solidFill>
-                <a:latin typeface="微软雅黑" panose="020B0503020204020204" charset="-122"/>
-                <a:ea typeface="微软雅黑" panose="020B0503020204020204" charset="-122"/>
+                <a:latin typeface="微软雅黑" charset="-122"/>
+                <a:ea typeface="微软雅黑" charset="-122"/>
                 <a:sym typeface="+mn-ea"/>
               </a:rPr>
               <a:t>     </a:t>
@@ -5106,8 +5106,8 @@
                 <a:solidFill>
                   <a:schemeClr val="bg1"/>
                 </a:solidFill>
-                <a:latin typeface="微软雅黑" panose="020B0503020204020204" charset="-122"/>
-                <a:ea typeface="微软雅黑" panose="020B0503020204020204" charset="-122"/>
+                <a:latin typeface="微软雅黑" charset="-122"/>
+                <a:ea typeface="微软雅黑" charset="-122"/>
                 <a:sym typeface="+mn-ea"/>
               </a:rPr>
               <a:t>micro:bit t</a:t>
@@ -5117,8 +5117,8 @@
                 <a:solidFill>
                   <a:schemeClr val="bg1"/>
                 </a:solidFill>
-                <a:latin typeface="微软雅黑" panose="020B0503020204020204" charset="-122"/>
-                <a:ea typeface="微软雅黑" panose="020B0503020204020204" charset="-122"/>
+                <a:latin typeface="微软雅黑" charset="-122"/>
+                <a:ea typeface="微软雅黑" charset="-122"/>
                 <a:sym typeface="+mn-ea"/>
               </a:rPr>
               <a:t>utorial</a:t>
@@ -5127,8 +5127,8 @@
               <a:solidFill>
                 <a:schemeClr val="bg1"/>
               </a:solidFill>
-              <a:latin typeface="微软雅黑" panose="020B0503020204020204" charset="-122"/>
-              <a:ea typeface="微软雅黑" panose="020B0503020204020204" charset="-122"/>
+              <a:latin typeface="微软雅黑" charset="-122"/>
+              <a:ea typeface="微软雅黑" charset="-122"/>
               <a:sym typeface="+mn-ea"/>
             </a:endParaRPr>
           </a:p>
@@ -5790,7 +5790,7 @@
                   <a:schemeClr val="accent2"/>
                 </a:solidFill>
                 <a:latin typeface="+mn-lt"/>
-                <a:ea typeface="微软雅黑" panose="020B0503020204020204" charset="-122"/>
+                <a:ea typeface="微软雅黑" charset="-122"/>
                 <a:cs typeface="+mn-lt"/>
               </a:rPr>
               <a:t>micro:bit p</a:t>
@@ -5801,7 +5801,7 @@
                   <a:schemeClr val="accent2"/>
                 </a:solidFill>
                 <a:latin typeface="+mn-lt"/>
-                <a:ea typeface="微软雅黑" panose="020B0503020204020204" charset="-122"/>
+                <a:ea typeface="微软雅黑" charset="-122"/>
                 <a:cs typeface="+mn-lt"/>
               </a:rPr>
               <a:t>rogramming tutorial</a:t>
@@ -5811,7 +5811,7 @@
                 <a:schemeClr val="accent2"/>
               </a:solidFill>
               <a:latin typeface="+mn-lt"/>
-              <a:ea typeface="微软雅黑" panose="020B0503020204020204" charset="-122"/>
+              <a:ea typeface="微软雅黑" charset="-122"/>
               <a:cs typeface="+mn-lt"/>
             </a:endParaRPr>
           </a:p>
@@ -6212,8 +6212,8 @@
                 <a:solidFill>
                   <a:schemeClr val="bg1"/>
                 </a:solidFill>
-                <a:latin typeface="微软雅黑" panose="020B0503020204020204" charset="-122"/>
-                <a:ea typeface="微软雅黑" panose="020B0503020204020204" charset="-122"/>
+                <a:latin typeface="微软雅黑" charset="-122"/>
+                <a:ea typeface="微软雅黑" charset="-122"/>
                 <a:sym typeface="+mn-ea"/>
               </a:rPr>
               <a:t> Yahboom</a:t>
@@ -6223,8 +6223,8 @@
                 <a:solidFill>
                   <a:schemeClr val="bg1"/>
                 </a:solidFill>
-                <a:latin typeface="微软雅黑" panose="020B0503020204020204" charset="-122"/>
-                <a:ea typeface="微软雅黑" panose="020B0503020204020204" charset="-122"/>
+                <a:latin typeface="微软雅黑" charset="-122"/>
+                <a:ea typeface="微软雅黑" charset="-122"/>
                 <a:sym typeface="+mn-ea"/>
               </a:rPr>
               <a:t>     </a:t>
@@ -6234,8 +6234,8 @@
                 <a:solidFill>
                   <a:schemeClr val="bg1"/>
                 </a:solidFill>
-                <a:latin typeface="微软雅黑" panose="020B0503020204020204" charset="-122"/>
-                <a:ea typeface="微软雅黑" panose="020B0503020204020204" charset="-122"/>
+                <a:latin typeface="微软雅黑" charset="-122"/>
+                <a:ea typeface="微软雅黑" charset="-122"/>
                 <a:sym typeface="+mn-ea"/>
               </a:rPr>
               <a:t>micro:bit t</a:t>
@@ -6245,8 +6245,8 @@
                 <a:solidFill>
                   <a:schemeClr val="bg1"/>
                 </a:solidFill>
-                <a:latin typeface="微软雅黑" panose="020B0503020204020204" charset="-122"/>
-                <a:ea typeface="微软雅黑" panose="020B0503020204020204" charset="-122"/>
+                <a:latin typeface="微软雅黑" charset="-122"/>
+                <a:ea typeface="微软雅黑" charset="-122"/>
                 <a:sym typeface="+mn-ea"/>
               </a:rPr>
               <a:t>utorial</a:t>
@@ -6255,8 +6255,8 @@
               <a:solidFill>
                 <a:schemeClr val="bg1"/>
               </a:solidFill>
-              <a:latin typeface="微软雅黑" panose="020B0503020204020204" charset="-122"/>
-              <a:ea typeface="微软雅黑" panose="020B0503020204020204" charset="-122"/>
+              <a:latin typeface="微软雅黑" charset="-122"/>
+              <a:ea typeface="微软雅黑" charset="-122"/>
               <a:sym typeface="+mn-ea"/>
             </a:endParaRPr>
           </a:p>
@@ -6825,8 +6825,8 @@
         </p:nvSpPr>
         <p:spPr>
           <a:xfrm>
-            <a:off x="6801485" y="2830195"/>
-            <a:ext cx="3860800" cy="1568450"/>
+            <a:off x="6323965" y="3794125"/>
+            <a:ext cx="3860800" cy="1557655"/>
           </a:xfrm>
           <a:prstGeom prst="rect">
             <a:avLst/>
@@ -6840,26 +6840,13 @@
           <a:p>
             <a:pPr algn="l"/>
             <a:r>
-              <a:rPr lang="en-US" sz="2400" dirty="0">
-                <a:solidFill>
-                  <a:schemeClr val="accent5">
-                    <a:lumMod val="75000"/>
-                  </a:schemeClr>
-                </a:solidFill>
-                <a:ea typeface="宋体" panose="02010600030101010101" pitchFamily="2" charset="-122"/>
-                <a:cs typeface="+mn-lt"/>
-                <a:sym typeface="+mn-ea"/>
-              </a:rPr>
-              <a:t>           </a:t>
-            </a:r>
-            <a:r>
               <a:rPr sz="2400" dirty="0">
                 <a:solidFill>
                   <a:schemeClr val="accent5">
                     <a:lumMod val="75000"/>
                   </a:schemeClr>
                 </a:solidFill>
-                <a:ea typeface="宋体" panose="02010600030101010101" pitchFamily="2" charset="-122"/>
+                <a:ea typeface="宋体" pitchFamily="2" charset="-122"/>
                 <a:cs typeface="+mn-lt"/>
                 <a:sym typeface="+mn-ea"/>
               </a:rPr>
@@ -6871,9 +6858,9 @@
                   <a:lumMod val="75000"/>
                 </a:schemeClr>
               </a:solidFill>
-              <a:latin typeface="宋体" panose="02010600030101010101" pitchFamily="2" charset="-122"/>
-              <a:ea typeface="宋体" panose="02010600030101010101" pitchFamily="2" charset="-122"/>
-              <a:cs typeface="宋体" panose="02010600030101010101" pitchFamily="2" charset="-122"/>
+              <a:latin typeface="宋体" pitchFamily="2" charset="-122"/>
+              <a:ea typeface="宋体" pitchFamily="2" charset="-122"/>
+              <a:cs typeface="宋体" pitchFamily="2" charset="-122"/>
             </a:endParaRPr>
           </a:p>
         </p:txBody>
@@ -6903,7 +6890,7 @@
                   <a:schemeClr val="accent2"/>
                 </a:solidFill>
                 <a:latin typeface="+mn-lt"/>
-                <a:ea typeface="微软雅黑" panose="020B0503020204020204" charset="-122"/>
+                <a:ea typeface="微软雅黑" charset="-122"/>
                 <a:cs typeface="+mn-lt"/>
               </a:rPr>
               <a:t>micro:bit p</a:t>
@@ -6914,7 +6901,7 @@
                   <a:schemeClr val="accent2"/>
                 </a:solidFill>
                 <a:latin typeface="+mn-lt"/>
-                <a:ea typeface="微软雅黑" panose="020B0503020204020204" charset="-122"/>
+                <a:ea typeface="微软雅黑" charset="-122"/>
                 <a:cs typeface="+mn-lt"/>
               </a:rPr>
               <a:t>rogramming tutorial</a:t>
@@ -6924,7 +6911,7 @@
                 <a:schemeClr val="accent2"/>
               </a:solidFill>
               <a:latin typeface="+mn-lt"/>
-              <a:ea typeface="微软雅黑" panose="020B0503020204020204" charset="-122"/>
+              <a:ea typeface="微软雅黑" charset="-122"/>
               <a:cs typeface="+mn-lt"/>
             </a:endParaRPr>
           </a:p>
@@ -7325,8 +7312,8 @@
                 <a:solidFill>
                   <a:schemeClr val="bg1"/>
                 </a:solidFill>
-                <a:latin typeface="微软雅黑" panose="020B0503020204020204" charset="-122"/>
-                <a:ea typeface="微软雅黑" panose="020B0503020204020204" charset="-122"/>
+                <a:latin typeface="微软雅黑" charset="-122"/>
+                <a:ea typeface="微软雅黑" charset="-122"/>
                 <a:sym typeface="+mn-ea"/>
               </a:rPr>
               <a:t> Yahboom</a:t>
@@ -7336,8 +7323,8 @@
                 <a:solidFill>
                   <a:schemeClr val="bg1"/>
                 </a:solidFill>
-                <a:latin typeface="微软雅黑" panose="020B0503020204020204" charset="-122"/>
-                <a:ea typeface="微软雅黑" panose="020B0503020204020204" charset="-122"/>
+                <a:latin typeface="微软雅黑" charset="-122"/>
+                <a:ea typeface="微软雅黑" charset="-122"/>
                 <a:sym typeface="+mn-ea"/>
               </a:rPr>
               <a:t>     </a:t>
@@ -7347,8 +7334,8 @@
                 <a:solidFill>
                   <a:schemeClr val="bg1"/>
                 </a:solidFill>
-                <a:latin typeface="微软雅黑" panose="020B0503020204020204" charset="-122"/>
-                <a:ea typeface="微软雅黑" panose="020B0503020204020204" charset="-122"/>
+                <a:latin typeface="微软雅黑" charset="-122"/>
+                <a:ea typeface="微软雅黑" charset="-122"/>
                 <a:sym typeface="+mn-ea"/>
               </a:rPr>
               <a:t>micro:bit t</a:t>
@@ -7358,8 +7345,8 @@
                 <a:solidFill>
                   <a:schemeClr val="bg1"/>
                 </a:solidFill>
-                <a:latin typeface="微软雅黑" panose="020B0503020204020204" charset="-122"/>
-                <a:ea typeface="微软雅黑" panose="020B0503020204020204" charset="-122"/>
+                <a:latin typeface="微软雅黑" charset="-122"/>
+                <a:ea typeface="微软雅黑" charset="-122"/>
                 <a:sym typeface="+mn-ea"/>
               </a:rPr>
               <a:t>utorial</a:t>
@@ -7368,8 +7355,8 @@
               <a:solidFill>
                 <a:schemeClr val="bg1"/>
               </a:solidFill>
-              <a:latin typeface="微软雅黑" panose="020B0503020204020204" charset="-122"/>
-              <a:ea typeface="微软雅黑" panose="020B0503020204020204" charset="-122"/>
+              <a:latin typeface="微软雅黑" charset="-122"/>
+              <a:ea typeface="微软雅黑" charset="-122"/>
               <a:sym typeface="+mn-ea"/>
             </a:endParaRPr>
           </a:p>
@@ -7377,7 +7364,7 @@
       </p:sp>
       <p:pic>
         <p:nvPicPr>
-          <p:cNvPr id="22" name="图片 21"/>
+          <p:cNvPr id="3" name="图片 2"/>
           <p:cNvPicPr>
             <a:picLocks noChangeAspect="1"/>
           </p:cNvPicPr>
@@ -7391,14 +7378,91 @@
         </p:blipFill>
         <p:spPr>
           <a:xfrm>
-            <a:off x="1549400" y="1911350"/>
-            <a:ext cx="4952365" cy="3714115"/>
+            <a:off x="1539875" y="1924050"/>
+            <a:ext cx="4351020" cy="3547110"/>
           </a:xfrm>
           <a:prstGeom prst="rect">
             <a:avLst/>
           </a:prstGeom>
         </p:spPr>
       </p:pic>
+      <p:sp>
+        <p:nvSpPr>
+          <p:cNvPr id="4" name="文本框 3"/>
+          <p:cNvSpPr txBox="1"/>
+          <p:nvPr/>
+        </p:nvSpPr>
+        <p:spPr>
+          <a:xfrm>
+            <a:off x="6384925" y="2010410"/>
+            <a:ext cx="4190365" cy="1313180"/>
+          </a:xfrm>
+          <a:prstGeom prst="rect">
+            <a:avLst/>
+          </a:prstGeom>
+          <a:noFill/>
+        </p:spPr>
+        <p:txBody>
+          <a:bodyPr wrap="square" rtlCol="0">
+            <a:spAutoFit/>
+          </a:bodyPr>
+          <a:p>
+            <a:pPr algn="l"/>
+            <a:r>
+              <a:rPr lang="en-US" sz="1600" b="1" dirty="0">
+                <a:solidFill>
+                  <a:srgbClr val="FF0000"/>
+                </a:solidFill>
+                <a:ea typeface="宋体" pitchFamily="2" charset="-122"/>
+                <a:cs typeface="+mn-lt"/>
+                <a:sym typeface="+mn-ea"/>
+              </a:rPr>
+              <a:t>!N</a:t>
+            </a:r>
+            <a:r>
+              <a:rPr sz="1600" b="1" dirty="0">
+                <a:solidFill>
+                  <a:srgbClr val="FF0000"/>
+                </a:solidFill>
+                <a:ea typeface="宋体" pitchFamily="2" charset="-122"/>
+                <a:cs typeface="+mn-lt"/>
+                <a:sym typeface="+mn-ea"/>
+              </a:rPr>
+              <a:t>ote:</a:t>
+            </a:r>
+            <a:endParaRPr sz="1600" b="1" dirty="0">
+              <a:solidFill>
+                <a:srgbClr val="FF0000"/>
+              </a:solidFill>
+              <a:ea typeface="宋体" pitchFamily="2" charset="-122"/>
+              <a:cs typeface="+mn-lt"/>
+              <a:sym typeface="+mn-ea"/>
+            </a:endParaRPr>
+          </a:p>
+          <a:p>
+            <a:pPr algn="l"/>
+            <a:r>
+              <a:rPr sz="1600" b="1" dirty="0">
+                <a:solidFill>
+                  <a:srgbClr val="FF0000"/>
+                </a:solidFill>
+                <a:ea typeface="宋体" pitchFamily="2" charset="-122"/>
+                <a:cs typeface="+mn-lt"/>
+                <a:sym typeface="+mn-ea"/>
+              </a:rPr>
+              <a:t>Because the adjustable knob uses the P3 pin, it is multiplexed with the pin of the micro:bit dot matrix. So we need to turn off the LED during initialization.</a:t>
+            </a:r>
+            <a:endParaRPr sz="1600" b="1" dirty="0">
+              <a:solidFill>
+                <a:srgbClr val="FF0000"/>
+              </a:solidFill>
+              <a:ea typeface="宋体" pitchFamily="2" charset="-122"/>
+              <a:cs typeface="+mn-lt"/>
+              <a:sym typeface="+mn-ea"/>
+            </a:endParaRPr>
+          </a:p>
+        </p:txBody>
+      </p:sp>
     </p:spTree>
   </p:cSld>
   <p:clrMapOvr>
@@ -7963,7 +8027,7 @@
         <p:spPr>
           <a:xfrm>
             <a:off x="2286635" y="1911350"/>
-            <a:ext cx="7618095" cy="3969385"/>
+            <a:ext cx="7618095" cy="3935095"/>
           </a:xfrm>
           <a:prstGeom prst="rect">
             <a:avLst/>
@@ -7985,7 +8049,6 @@
                     <a:lumMod val="75000"/>
                   </a:schemeClr>
                 </a:solidFill>
-                <a:latin typeface="方正少儿_GBK" panose="02000000000000000000" charset="-122"/>
                 <a:ea typeface="方正少儿_GBK" panose="02000000000000000000" charset="-122"/>
                 <a:sym typeface="+mn-ea"/>
               </a:rPr>
@@ -7997,7 +8060,6 @@
                   <a:lumMod val="75000"/>
                 </a:schemeClr>
               </a:solidFill>
-              <a:latin typeface="方正少儿_GBK" panose="02000000000000000000" charset="-122"/>
               <a:ea typeface="方正少儿_GBK" panose="02000000000000000000" charset="-122"/>
               <a:sym typeface="+mn-ea"/>
             </a:endParaRPr>
@@ -8013,7 +8075,6 @@
                     <a:lumMod val="75000"/>
                   </a:schemeClr>
                 </a:solidFill>
-                <a:latin typeface="方正少儿_GBK" panose="02000000000000000000" charset="-122"/>
                 <a:ea typeface="方正少儿_GBK" panose="02000000000000000000" charset="-122"/>
                 <a:sym typeface="+mn-ea"/>
               </a:rPr>
@@ -8025,7 +8086,6 @@
                   <a:lumMod val="75000"/>
                 </a:schemeClr>
               </a:solidFill>
-              <a:latin typeface="方正少儿_GBK" panose="02000000000000000000" charset="-122"/>
               <a:ea typeface="方正少儿_GBK" panose="02000000000000000000" charset="-122"/>
               <a:sym typeface="+mn-ea"/>
             </a:endParaRPr>
@@ -8041,7 +8101,6 @@
                     <a:lumMod val="75000"/>
                   </a:schemeClr>
                 </a:solidFill>
-                <a:latin typeface="方正少儿_GBK" panose="02000000000000000000" charset="-122"/>
                 <a:ea typeface="方正少儿_GBK" panose="02000000000000000000" charset="-122"/>
                 <a:sym typeface="+mn-ea"/>
               </a:rPr>
@@ -8053,7 +8112,6 @@
                   <a:lumMod val="75000"/>
                 </a:schemeClr>
               </a:solidFill>
-              <a:latin typeface="方正少儿_GBK" panose="02000000000000000000" charset="-122"/>
               <a:ea typeface="方正少儿_GBK" panose="02000000000000000000" charset="-122"/>
               <a:sym typeface="+mn-ea"/>
             </a:endParaRPr>
@@ -8064,7 +8122,6 @@
               <a:solidFill>
                 <a:srgbClr val="FF0000"/>
               </a:solidFill>
-              <a:latin typeface="方正少儿_GBK" panose="02000000000000000000" charset="-122"/>
               <a:ea typeface="方正少儿_GBK" panose="02000000000000000000" charset="-122"/>
               <a:sym typeface="+mn-ea"/>
             </a:endParaRPr>
@@ -8076,7 +8133,7 @@
                 <a:solidFill>
                   <a:srgbClr val="FF0000"/>
                 </a:solidFill>
-                <a:ea typeface="宋体" panose="02010600030101010101" pitchFamily="2" charset="-122"/>
+                <a:ea typeface="宋体" pitchFamily="2" charset="-122"/>
                 <a:cs typeface="+mn-lt"/>
                 <a:sym typeface="+mn-ea"/>
               </a:rPr>
@@ -8086,7 +8143,7 @@
               <a:solidFill>
                 <a:srgbClr val="FF0000"/>
               </a:solidFill>
-              <a:ea typeface="宋体" panose="02010600030101010101" pitchFamily="2" charset="-122"/>
+              <a:ea typeface="宋体" pitchFamily="2" charset="-122"/>
               <a:cs typeface="+mn-lt"/>
               <a:sym typeface="+mn-ea"/>
             </a:endParaRPr>
@@ -8104,7 +8161,6 @@
                     <a:lumMod val="75000"/>
                   </a:schemeClr>
                 </a:solidFill>
-                <a:latin typeface="方正少儿_GBK" panose="02000000000000000000" charset="-122"/>
                 <a:ea typeface="方正少儿_GBK" panose="02000000000000000000" charset="-122"/>
                 <a:sym typeface="+mn-ea"/>
               </a:rPr>
@@ -8123,7 +8179,6 @@
                   </a:schemeClr>
                 </a:outerShdw>
               </a:effectLst>
-              <a:latin typeface="方正少儿_GBK" panose="02000000000000000000" charset="-122"/>
               <a:ea typeface="方正少儿_GBK" panose="02000000000000000000" charset="-122"/>
               <a:sym typeface="+mn-ea"/>
             </a:endParaRPr>
@@ -8143,7 +8198,6 @@
                   </a:schemeClr>
                 </a:outerShdw>
               </a:effectLst>
-              <a:latin typeface="方正少儿_GBK" panose="02000000000000000000" charset="-122"/>
               <a:ea typeface="方正少儿_GBK" panose="02000000000000000000" charset="-122"/>
               <a:sym typeface="+mn-ea"/>
             </a:endParaRPr>
@@ -8179,7 +8233,7 @@
                   <a:schemeClr val="accent2"/>
                 </a:solidFill>
                 <a:latin typeface="+mn-lt"/>
-                <a:ea typeface="微软雅黑" panose="020B0503020204020204" charset="-122"/>
+                <a:ea typeface="微软雅黑" charset="-122"/>
                 <a:cs typeface="+mn-lt"/>
               </a:rPr>
               <a:t>micro:bit p</a:t>
@@ -8190,7 +8244,7 @@
                   <a:schemeClr val="accent2"/>
                 </a:solidFill>
                 <a:latin typeface="+mn-lt"/>
-                <a:ea typeface="微软雅黑" panose="020B0503020204020204" charset="-122"/>
+                <a:ea typeface="微软雅黑" charset="-122"/>
                 <a:cs typeface="+mn-lt"/>
               </a:rPr>
               <a:t>rogramming tutorial</a:t>
@@ -8200,7 +8254,7 @@
                 <a:schemeClr val="accent2"/>
               </a:solidFill>
               <a:latin typeface="+mn-lt"/>
-              <a:ea typeface="微软雅黑" panose="020B0503020204020204" charset="-122"/>
+              <a:ea typeface="微软雅黑" charset="-122"/>
               <a:cs typeface="+mn-lt"/>
             </a:endParaRPr>
           </a:p>
@@ -8601,8 +8655,8 @@
                 <a:solidFill>
                   <a:schemeClr val="bg1"/>
                 </a:solidFill>
-                <a:latin typeface="微软雅黑" panose="020B0503020204020204" charset="-122"/>
-                <a:ea typeface="微软雅黑" panose="020B0503020204020204" charset="-122"/>
+                <a:latin typeface="微软雅黑" charset="-122"/>
+                <a:ea typeface="微软雅黑" charset="-122"/>
                 <a:sym typeface="+mn-ea"/>
               </a:rPr>
               <a:t> Yahboom</a:t>
@@ -8612,8 +8666,8 @@
                 <a:solidFill>
                   <a:schemeClr val="bg1"/>
                 </a:solidFill>
-                <a:latin typeface="微软雅黑" panose="020B0503020204020204" charset="-122"/>
-                <a:ea typeface="微软雅黑" panose="020B0503020204020204" charset="-122"/>
+                <a:latin typeface="微软雅黑" charset="-122"/>
+                <a:ea typeface="微软雅黑" charset="-122"/>
                 <a:sym typeface="+mn-ea"/>
               </a:rPr>
               <a:t>     </a:t>
@@ -8623,8 +8677,8 @@
                 <a:solidFill>
                   <a:schemeClr val="bg1"/>
                 </a:solidFill>
-                <a:latin typeface="微软雅黑" panose="020B0503020204020204" charset="-122"/>
-                <a:ea typeface="微软雅黑" panose="020B0503020204020204" charset="-122"/>
+                <a:latin typeface="微软雅黑" charset="-122"/>
+                <a:ea typeface="微软雅黑" charset="-122"/>
                 <a:sym typeface="+mn-ea"/>
               </a:rPr>
               <a:t>micro:bit t</a:t>
@@ -8634,8 +8688,8 @@
                 <a:solidFill>
                   <a:schemeClr val="bg1"/>
                 </a:solidFill>
-                <a:latin typeface="微软雅黑" panose="020B0503020204020204" charset="-122"/>
-                <a:ea typeface="微软雅黑" panose="020B0503020204020204" charset="-122"/>
+                <a:latin typeface="微软雅黑" charset="-122"/>
+                <a:ea typeface="微软雅黑" charset="-122"/>
                 <a:sym typeface="+mn-ea"/>
               </a:rPr>
               <a:t>utorial</a:t>
@@ -8644,8 +8698,8 @@
               <a:solidFill>
                 <a:schemeClr val="bg1"/>
               </a:solidFill>
-              <a:latin typeface="微软雅黑" panose="020B0503020204020204" charset="-122"/>
-              <a:ea typeface="微软雅黑" panose="020B0503020204020204" charset="-122"/>
+              <a:latin typeface="微软雅黑" charset="-122"/>
+              <a:ea typeface="微软雅黑" charset="-122"/>
               <a:sym typeface="+mn-ea"/>
             </a:endParaRPr>
           </a:p>
@@ -9132,7 +9186,7 @@
               <a:rPr lang="en-US" altLang="zh-CN" smtClean="0"/>
               <a:t> </a:t>
             </a:r>
-            <a:endParaRPr lang="zh-CN" altLang="en-US" dirty="0"/>
+            <a:endParaRPr lang="en-US" altLang="zh-CN" dirty="0" smtClean="0"/>
           </a:p>
         </p:txBody>
       </p:sp>
@@ -9388,7 +9442,6 @@
                     <a:lumMod val="75000"/>
                   </a:schemeClr>
                 </a:solidFill>
-                <a:latin typeface="方正少儿_GBK" panose="02000000000000000000" charset="-122"/>
                 <a:ea typeface="方正少儿_GBK" panose="02000000000000000000" charset="-122"/>
               </a:rPr>
               <a:t>micro:bit</a:t>
@@ -9400,7 +9453,6 @@
                     <a:lumMod val="75000"/>
                   </a:schemeClr>
                 </a:solidFill>
-                <a:latin typeface="方正喵呜体" panose="02010600010101010101" pitchFamily="2" charset="-122"/>
                 <a:ea typeface="方正喵呜体" panose="02010600010101010101" pitchFamily="2" charset="-122"/>
               </a:rPr>
               <a:t>    </a:t>
@@ -9411,7 +9463,6 @@
                   <a:lumMod val="75000"/>
                 </a:schemeClr>
               </a:solidFill>
-              <a:latin typeface="方正喵呜体" panose="02010600010101010101" pitchFamily="2" charset="-122"/>
               <a:ea typeface="方正喵呜体" panose="02010600010101010101" pitchFamily="2" charset="-122"/>
             </a:endParaRPr>
           </a:p>
@@ -9665,7 +9716,7 @@
                   <a:schemeClr val="accent2"/>
                 </a:solidFill>
                 <a:latin typeface="+mn-lt"/>
-                <a:ea typeface="微软雅黑" panose="020B0503020204020204" charset="-122"/>
+                <a:ea typeface="微软雅黑" charset="-122"/>
                 <a:cs typeface="+mn-lt"/>
               </a:rPr>
               <a:t>micro:bit p</a:t>
@@ -9676,7 +9727,7 @@
                   <a:schemeClr val="accent2"/>
                 </a:solidFill>
                 <a:latin typeface="+mn-lt"/>
-                <a:ea typeface="微软雅黑" panose="020B0503020204020204" charset="-122"/>
+                <a:ea typeface="微软雅黑" charset="-122"/>
                 <a:cs typeface="+mn-lt"/>
               </a:rPr>
               <a:t>rogramming tutorial</a:t>
@@ -9686,7 +9737,7 @@
                 <a:schemeClr val="accent2"/>
               </a:solidFill>
               <a:latin typeface="+mn-lt"/>
-              <a:ea typeface="微软雅黑" panose="020B0503020204020204" charset="-122"/>
+              <a:ea typeface="微软雅黑" charset="-122"/>
               <a:cs typeface="+mn-lt"/>
             </a:endParaRPr>
           </a:p>
@@ -10087,8 +10138,7 @@
                 <a:solidFill>
                   <a:schemeClr val="bg1"/>
                 </a:solidFill>
-                <a:latin typeface="微软雅黑" panose="020B0503020204020204" charset="-122"/>
-                <a:ea typeface="微软雅黑" panose="020B0503020204020204" charset="-122"/>
+                <a:ea typeface="微软雅黑" charset="-122"/>
                 <a:sym typeface="+mn-ea"/>
               </a:rPr>
               <a:t> Yahboom</a:t>
@@ -10098,8 +10148,7 @@
                 <a:solidFill>
                   <a:schemeClr val="bg1"/>
                 </a:solidFill>
-                <a:latin typeface="微软雅黑" panose="020B0503020204020204" charset="-122"/>
-                <a:ea typeface="微软雅黑" panose="020B0503020204020204" charset="-122"/>
+                <a:ea typeface="微软雅黑" charset="-122"/>
                 <a:sym typeface="+mn-ea"/>
               </a:rPr>
               <a:t>     </a:t>
@@ -10109,8 +10158,7 @@
                 <a:solidFill>
                   <a:schemeClr val="bg1"/>
                 </a:solidFill>
-                <a:latin typeface="微软雅黑" panose="020B0503020204020204" charset="-122"/>
-                <a:ea typeface="微软雅黑" panose="020B0503020204020204" charset="-122"/>
+                <a:ea typeface="微软雅黑" charset="-122"/>
                 <a:sym typeface="+mn-ea"/>
               </a:rPr>
               <a:t>micro:bit t</a:t>
@@ -10120,8 +10168,7 @@
                 <a:solidFill>
                   <a:schemeClr val="bg1"/>
                 </a:solidFill>
-                <a:latin typeface="微软雅黑" panose="020B0503020204020204" charset="-122"/>
-                <a:ea typeface="微软雅黑" panose="020B0503020204020204" charset="-122"/>
+                <a:ea typeface="微软雅黑" charset="-122"/>
                 <a:sym typeface="+mn-ea"/>
               </a:rPr>
               <a:t>utorial</a:t>
@@ -10130,8 +10177,7 @@
               <a:solidFill>
                 <a:schemeClr val="bg1"/>
               </a:solidFill>
-              <a:latin typeface="微软雅黑" panose="020B0503020204020204" charset="-122"/>
-              <a:ea typeface="微软雅黑" panose="020B0503020204020204" charset="-122"/>
+              <a:ea typeface="微软雅黑" charset="-122"/>
               <a:sym typeface="+mn-ea"/>
             </a:endParaRPr>
           </a:p>
@@ -10165,7 +10211,6 @@
                     <a:lumMod val="75000"/>
                   </a:schemeClr>
                 </a:solidFill>
-                <a:latin typeface="方正少儿_GBK" panose="02000000000000000000" charset="-122"/>
                 <a:ea typeface="方正少儿_GBK" panose="02000000000000000000" charset="-122"/>
               </a:rPr>
               <a:t>Yahboom</a:t>
@@ -10176,7 +10221,6 @@
                   <a:lumMod val="75000"/>
                 </a:schemeClr>
               </a:solidFill>
-              <a:latin typeface="方正少儿_GBK" panose="02000000000000000000" charset="-122"/>
               <a:ea typeface="方正少儿_GBK" panose="02000000000000000000" charset="-122"/>
             </a:endParaRPr>
           </a:p>
@@ -10191,7 +10235,7 @@
         <p:spPr>
           <a:xfrm>
             <a:off x="3992880" y="3686175"/>
-            <a:ext cx="5233670" cy="768350"/>
+            <a:ext cx="5744210" cy="762000"/>
           </a:xfrm>
           <a:prstGeom prst="rect">
             <a:avLst/>
@@ -10211,7 +10255,6 @@
                     <a:lumMod val="75000"/>
                   </a:schemeClr>
                 </a:solidFill>
-                <a:latin typeface="方正少儿_GBK" panose="02000000000000000000" charset="-122"/>
                 <a:ea typeface="方正少儿_GBK" panose="02000000000000000000" charset="-122"/>
               </a:rPr>
               <a:t>Thanks for watching！</a:t>
@@ -10222,7 +10265,6 @@
                   <a:lumMod val="75000"/>
                 </a:schemeClr>
               </a:solidFill>
-              <a:latin typeface="方正少儿_GBK" panose="02000000000000000000" charset="-122"/>
               <a:ea typeface="方正少儿_GBK" panose="02000000000000000000" charset="-122"/>
             </a:endParaRPr>
           </a:p>
@@ -10766,14 +10808,14 @@
           <a:p>
             <a:r>
               <a:rPr lang="en-US" altLang="zh-CN" dirty="0" smtClean="0">
-                <a:latin typeface="Arial" panose="020B0604020202020204" pitchFamily="34" charset="0"/>
-                <a:ea typeface="Arial" panose="020B0604020202020204" pitchFamily="34" charset="0"/>
+                <a:latin typeface="Arial" pitchFamily="34" charset="0"/>
+                <a:ea typeface="Arial" pitchFamily="34" charset="0"/>
               </a:rPr>
               <a:t>Part 5</a:t>
             </a:r>
             <a:endParaRPr lang="en-US" altLang="zh-CN" dirty="0" smtClean="0">
-              <a:latin typeface="Arial" panose="020B0604020202020204" pitchFamily="34" charset="0"/>
-              <a:ea typeface="Arial" panose="020B0604020202020204" pitchFamily="34" charset="0"/>
+              <a:latin typeface="Arial" pitchFamily="34" charset="0"/>
+              <a:ea typeface="Arial" pitchFamily="34" charset="0"/>
             </a:endParaRPr>
           </a:p>
         </p:txBody>
@@ -10807,8 +10849,8 @@
                     <a:lumMod val="75000"/>
                   </a:schemeClr>
                 </a:solidFill>
-                <a:latin typeface="Arial" panose="020B0604020202020204" pitchFamily="34" charset="0"/>
-                <a:ea typeface="Arial" panose="020B0604020202020204" pitchFamily="34" charset="0"/>
+                <a:latin typeface="Arial" pitchFamily="34" charset="0"/>
+                <a:ea typeface="Arial" pitchFamily="34" charset="0"/>
                 <a:sym typeface="+mn-ea"/>
                 <a:hlinkClick r:id="rId3" action="ppaction://hlinksldjump"/>
               </a:rPr>
@@ -10820,8 +10862,8 @@
                   <a:lumMod val="75000"/>
                 </a:schemeClr>
               </a:solidFill>
-              <a:latin typeface="黑体" panose="02010609060101010101" charset="-122"/>
-              <a:ea typeface="黑体" panose="02010609060101010101" charset="-122"/>
+              <a:latin typeface="黑体" charset="-122"/>
+              <a:ea typeface="黑体" charset="-122"/>
             </a:endParaRPr>
           </a:p>
         </p:txBody>
@@ -10851,7 +10893,7 @@
                   <a:schemeClr val="accent2"/>
                 </a:solidFill>
                 <a:latin typeface="+mn-lt"/>
-                <a:ea typeface="微软雅黑" panose="020B0503020204020204" charset="-122"/>
+                <a:ea typeface="微软雅黑" charset="-122"/>
                 <a:cs typeface="+mn-lt"/>
               </a:rPr>
               <a:t>micro:bit p</a:t>
@@ -10862,7 +10904,7 @@
                   <a:schemeClr val="accent2"/>
                 </a:solidFill>
                 <a:latin typeface="+mn-lt"/>
-                <a:ea typeface="微软雅黑" panose="020B0503020204020204" charset="-122"/>
+                <a:ea typeface="微软雅黑" charset="-122"/>
                 <a:cs typeface="+mn-lt"/>
               </a:rPr>
               <a:t>rogramming tutorial</a:t>
@@ -10872,7 +10914,7 @@
                 <a:schemeClr val="accent2"/>
               </a:solidFill>
               <a:latin typeface="+mn-lt"/>
-              <a:ea typeface="微软雅黑" panose="020B0503020204020204" charset="-122"/>
+              <a:ea typeface="微软雅黑" charset="-122"/>
               <a:cs typeface="+mn-lt"/>
             </a:endParaRPr>
           </a:p>
@@ -10905,8 +10947,8 @@
                 <a:solidFill>
                   <a:srgbClr val="0070C0"/>
                 </a:solidFill>
-                <a:latin typeface="Arial" panose="020B0604020202020204" pitchFamily="34" charset="0"/>
-                <a:ea typeface="Arial" panose="020B0604020202020204" pitchFamily="34" charset="0"/>
+                <a:latin typeface="Arial" pitchFamily="34" charset="0"/>
+                <a:ea typeface="Arial" pitchFamily="34" charset="0"/>
                 <a:hlinkClick r:id="rId4" action="ppaction://hlinksldjump"/>
               </a:rPr>
               <a:t>Learning goals</a:t>
@@ -10915,8 +10957,8 @@
               <a:solidFill>
                 <a:srgbClr val="0070C0"/>
               </a:solidFill>
-              <a:latin typeface="Arial" panose="020B0604020202020204" pitchFamily="34" charset="0"/>
-              <a:ea typeface="Arial" panose="020B0604020202020204" pitchFamily="34" charset="0"/>
+              <a:latin typeface="Arial" pitchFamily="34" charset="0"/>
+              <a:ea typeface="Arial" pitchFamily="34" charset="0"/>
             </a:endParaRPr>
           </a:p>
         </p:txBody>
@@ -10950,8 +10992,8 @@
                     <a:lumMod val="75000"/>
                   </a:schemeClr>
                 </a:solidFill>
-                <a:latin typeface="Arial" panose="020B0604020202020204" pitchFamily="34" charset="0"/>
-                <a:ea typeface="Arial" panose="020B0604020202020204" pitchFamily="34" charset="0"/>
+                <a:latin typeface="Arial" pitchFamily="34" charset="0"/>
+                <a:ea typeface="Arial" pitchFamily="34" charset="0"/>
                 <a:sym typeface="+mn-ea"/>
                 <a:hlinkClick r:id="rId5" action="ppaction://hlinksldjump"/>
               </a:rPr>
@@ -10963,8 +11005,8 @@
                   <a:lumMod val="75000"/>
                 </a:schemeClr>
               </a:solidFill>
-              <a:latin typeface="Arial" panose="020B0604020202020204" pitchFamily="34" charset="0"/>
-              <a:ea typeface="Arial" panose="020B0604020202020204" pitchFamily="34" charset="0"/>
+              <a:latin typeface="Arial" pitchFamily="34" charset="0"/>
+              <a:ea typeface="Arial" pitchFamily="34" charset="0"/>
               <a:sym typeface="+mn-ea"/>
               <a:hlinkClick r:id="rId5" action="ppaction://hlinksldjump"/>
             </a:endParaRPr>
@@ -11000,8 +11042,8 @@
                     <a:lumMod val="75000"/>
                   </a:schemeClr>
                 </a:solidFill>
-                <a:latin typeface="Arial" panose="020B0604020202020204" pitchFamily="34" charset="0"/>
-                <a:ea typeface="Arial" panose="020B0604020202020204" pitchFamily="34" charset="0"/>
+                <a:latin typeface="Arial" pitchFamily="34" charset="0"/>
+                <a:ea typeface="Arial" pitchFamily="34" charset="0"/>
                 <a:hlinkClick r:id="rId6" action="ppaction://hlinksldjump"/>
               </a:rPr>
               <a:t>Search for blocks</a:t>
@@ -11012,8 +11054,8 @@
                   <a:lumMod val="75000"/>
                 </a:schemeClr>
               </a:solidFill>
-              <a:latin typeface="Arial" panose="020B0604020202020204" pitchFamily="34" charset="0"/>
-              <a:ea typeface="Arial" panose="020B0604020202020204" pitchFamily="34" charset="0"/>
+              <a:latin typeface="Arial" pitchFamily="34" charset="0"/>
+              <a:ea typeface="Arial" pitchFamily="34" charset="0"/>
             </a:endParaRPr>
           </a:p>
         </p:txBody>
@@ -11047,8 +11089,8 @@
                     <a:lumMod val="75000"/>
                   </a:schemeClr>
                 </a:solidFill>
-                <a:latin typeface="Arial" panose="020B0604020202020204" pitchFamily="34" charset="0"/>
-                <a:ea typeface="Arial" panose="020B0604020202020204" pitchFamily="34" charset="0"/>
+                <a:latin typeface="Arial" pitchFamily="34" charset="0"/>
+                <a:ea typeface="Arial" pitchFamily="34" charset="0"/>
                 <a:hlinkClick r:id="rId7" action="ppaction://hlinksldjump"/>
               </a:rPr>
               <a:t>Combin</a:t>
@@ -11060,8 +11102,8 @@
                     <a:lumMod val="75000"/>
                   </a:schemeClr>
                 </a:solidFill>
-                <a:latin typeface="Arial" panose="020B0604020202020204" pitchFamily="34" charset="0"/>
-                <a:ea typeface="Arial" panose="020B0604020202020204" pitchFamily="34" charset="0"/>
+                <a:latin typeface="Arial" pitchFamily="34" charset="0"/>
+                <a:ea typeface="Arial" pitchFamily="34" charset="0"/>
                 <a:hlinkClick r:id="rId7" action="ppaction://hlinksldjump"/>
               </a:rPr>
               <a:t>e</a:t>
@@ -11073,8 +11115,8 @@
                     <a:lumMod val="75000"/>
                   </a:schemeClr>
                 </a:solidFill>
-                <a:latin typeface="Arial" panose="020B0604020202020204" pitchFamily="34" charset="0"/>
-                <a:ea typeface="Arial" panose="020B0604020202020204" pitchFamily="34" charset="0"/>
+                <a:latin typeface="Arial" pitchFamily="34" charset="0"/>
+                <a:ea typeface="Arial" pitchFamily="34" charset="0"/>
                 <a:hlinkClick r:id="rId7" action="ppaction://hlinksldjump"/>
               </a:rPr>
               <a:t> blocks</a:t>
@@ -11085,8 +11127,8 @@
                   <a:lumMod val="75000"/>
                 </a:schemeClr>
               </a:solidFill>
-              <a:latin typeface="Arial" panose="020B0604020202020204" pitchFamily="34" charset="0"/>
-              <a:ea typeface="Arial" panose="020B0604020202020204" pitchFamily="34" charset="0"/>
+              <a:latin typeface="Arial" pitchFamily="34" charset="0"/>
+              <a:ea typeface="Arial" pitchFamily="34" charset="0"/>
             </a:endParaRPr>
           </a:p>
         </p:txBody>
@@ -11119,14 +11161,14 @@
           <a:p>
             <a:r>
               <a:rPr lang="en-US" altLang="zh-CN" dirty="0" smtClean="0">
-                <a:latin typeface="Arial" panose="020B0604020202020204" pitchFamily="34" charset="0"/>
-                <a:ea typeface="Arial" panose="020B0604020202020204" pitchFamily="34" charset="0"/>
+                <a:latin typeface="Arial" pitchFamily="34" charset="0"/>
+                <a:ea typeface="Arial" pitchFamily="34" charset="0"/>
               </a:rPr>
               <a:t>Part 4</a:t>
             </a:r>
             <a:endParaRPr lang="zh-CN" altLang="en-US" dirty="0">
-              <a:latin typeface="Arial" panose="020B0604020202020204" pitchFamily="34" charset="0"/>
-              <a:ea typeface="Arial" panose="020B0604020202020204" pitchFamily="34" charset="0"/>
+              <a:latin typeface="Arial" pitchFamily="34" charset="0"/>
+              <a:ea typeface="Arial" pitchFamily="34" charset="0"/>
             </a:endParaRPr>
           </a:p>
         </p:txBody>
@@ -11159,14 +11201,14 @@
           <a:p>
             <a:r>
               <a:rPr lang="en-US" altLang="zh-CN" dirty="0" smtClean="0">
-                <a:latin typeface="Arial" panose="020B0604020202020204" pitchFamily="34" charset="0"/>
-                <a:ea typeface="Arial" panose="020B0604020202020204" pitchFamily="34" charset="0"/>
+                <a:latin typeface="Arial" pitchFamily="34" charset="0"/>
+                <a:ea typeface="Arial" pitchFamily="34" charset="0"/>
               </a:rPr>
               <a:t>Part1</a:t>
             </a:r>
             <a:endParaRPr lang="en-US" altLang="zh-CN" dirty="0" smtClean="0">
-              <a:latin typeface="Arial" panose="020B0604020202020204" pitchFamily="34" charset="0"/>
-              <a:ea typeface="Arial" panose="020B0604020202020204" pitchFamily="34" charset="0"/>
+              <a:latin typeface="Arial" pitchFamily="34" charset="0"/>
+              <a:ea typeface="Arial" pitchFamily="34" charset="0"/>
             </a:endParaRPr>
           </a:p>
         </p:txBody>
@@ -11199,14 +11241,14 @@
           <a:p>
             <a:r>
               <a:rPr lang="en-US" altLang="zh-CN" dirty="0" smtClean="0">
-                <a:latin typeface="Arial" panose="020B0604020202020204" pitchFamily="34" charset="0"/>
-                <a:ea typeface="Arial" panose="020B0604020202020204" pitchFamily="34" charset="0"/>
+                <a:latin typeface="Arial" pitchFamily="34" charset="0"/>
+                <a:ea typeface="Arial" pitchFamily="34" charset="0"/>
               </a:rPr>
               <a:t>Part 2</a:t>
             </a:r>
             <a:endParaRPr lang="zh-CN" altLang="en-US" dirty="0">
-              <a:latin typeface="Arial" panose="020B0604020202020204" pitchFamily="34" charset="0"/>
-              <a:ea typeface="Arial" panose="020B0604020202020204" pitchFamily="34" charset="0"/>
+              <a:latin typeface="Arial" pitchFamily="34" charset="0"/>
+              <a:ea typeface="Arial" pitchFamily="34" charset="0"/>
             </a:endParaRPr>
           </a:p>
         </p:txBody>
@@ -11239,14 +11281,14 @@
           <a:p>
             <a:r>
               <a:rPr lang="en-US" altLang="zh-CN" dirty="0" smtClean="0">
-                <a:latin typeface="Arial" panose="020B0604020202020204" pitchFamily="34" charset="0"/>
-                <a:ea typeface="Arial" panose="020B0604020202020204" pitchFamily="34" charset="0"/>
+                <a:latin typeface="Arial" pitchFamily="34" charset="0"/>
+                <a:ea typeface="Arial" pitchFamily="34" charset="0"/>
               </a:rPr>
               <a:t>Part3</a:t>
             </a:r>
             <a:endParaRPr lang="zh-CN" altLang="en-US" dirty="0">
-              <a:latin typeface="Arial" panose="020B0604020202020204" pitchFamily="34" charset="0"/>
-              <a:ea typeface="Arial" panose="020B0604020202020204" pitchFamily="34" charset="0"/>
+              <a:latin typeface="Arial" pitchFamily="34" charset="0"/>
+              <a:ea typeface="Arial" pitchFamily="34" charset="0"/>
             </a:endParaRPr>
           </a:p>
         </p:txBody>
@@ -11646,8 +11688,8 @@
                 <a:solidFill>
                   <a:schemeClr val="bg1"/>
                 </a:solidFill>
-                <a:latin typeface="微软雅黑" panose="020B0503020204020204" charset="-122"/>
-                <a:ea typeface="微软雅黑" panose="020B0503020204020204" charset="-122"/>
+                <a:latin typeface="微软雅黑" charset="-122"/>
+                <a:ea typeface="微软雅黑" charset="-122"/>
                 <a:sym typeface="+mn-ea"/>
               </a:rPr>
               <a:t> Yahboom</a:t>
@@ -11657,8 +11699,8 @@
                 <a:solidFill>
                   <a:schemeClr val="bg1"/>
                 </a:solidFill>
-                <a:latin typeface="微软雅黑" panose="020B0503020204020204" charset="-122"/>
-                <a:ea typeface="微软雅黑" panose="020B0503020204020204" charset="-122"/>
+                <a:latin typeface="微软雅黑" charset="-122"/>
+                <a:ea typeface="微软雅黑" charset="-122"/>
                 <a:sym typeface="+mn-ea"/>
               </a:rPr>
               <a:t>     </a:t>
@@ -11668,8 +11710,8 @@
                 <a:solidFill>
                   <a:schemeClr val="bg1"/>
                 </a:solidFill>
-                <a:latin typeface="微软雅黑" panose="020B0503020204020204" charset="-122"/>
-                <a:ea typeface="微软雅黑" panose="020B0503020204020204" charset="-122"/>
+                <a:latin typeface="微软雅黑" charset="-122"/>
+                <a:ea typeface="微软雅黑" charset="-122"/>
                 <a:sym typeface="+mn-ea"/>
               </a:rPr>
               <a:t>micro:bit t</a:t>
@@ -11679,8 +11721,8 @@
                 <a:solidFill>
                   <a:schemeClr val="bg1"/>
                 </a:solidFill>
-                <a:latin typeface="微软雅黑" panose="020B0503020204020204" charset="-122"/>
-                <a:ea typeface="微软雅黑" panose="020B0503020204020204" charset="-122"/>
+                <a:latin typeface="微软雅黑" charset="-122"/>
+                <a:ea typeface="微软雅黑" charset="-122"/>
                 <a:sym typeface="+mn-ea"/>
               </a:rPr>
               <a:t>utorial</a:t>
@@ -11689,8 +11731,8 @@
               <a:solidFill>
                 <a:schemeClr val="bg1"/>
               </a:solidFill>
-              <a:latin typeface="微软雅黑" panose="020B0503020204020204" charset="-122"/>
-              <a:ea typeface="微软雅黑" panose="020B0503020204020204" charset="-122"/>
+              <a:latin typeface="微软雅黑" charset="-122"/>
+              <a:ea typeface="微软雅黑" charset="-122"/>
               <a:sym typeface="+mn-ea"/>
             </a:endParaRPr>
           </a:p>
@@ -12366,7 +12408,7 @@
                   <a:schemeClr val="accent2"/>
                 </a:solidFill>
                 <a:latin typeface="+mn-lt"/>
-                <a:ea typeface="微软雅黑" panose="020B0503020204020204" charset="-122"/>
+                <a:ea typeface="微软雅黑" charset="-122"/>
                 <a:cs typeface="+mn-lt"/>
               </a:rPr>
               <a:t>micro:bit p</a:t>
@@ -12377,7 +12419,7 @@
                   <a:schemeClr val="accent2"/>
                 </a:solidFill>
                 <a:latin typeface="+mn-lt"/>
-                <a:ea typeface="微软雅黑" panose="020B0503020204020204" charset="-122"/>
+                <a:ea typeface="微软雅黑" charset="-122"/>
                 <a:cs typeface="+mn-lt"/>
               </a:rPr>
               <a:t>rogramming tutorial</a:t>
@@ -12387,7 +12429,7 @@
                 <a:schemeClr val="accent2"/>
               </a:solidFill>
               <a:latin typeface="+mn-lt"/>
-              <a:ea typeface="微软雅黑" panose="020B0503020204020204" charset="-122"/>
+              <a:ea typeface="微软雅黑" charset="-122"/>
               <a:cs typeface="+mn-lt"/>
             </a:endParaRPr>
           </a:p>
@@ -12788,8 +12830,8 @@
                 <a:solidFill>
                   <a:schemeClr val="bg1"/>
                 </a:solidFill>
-                <a:latin typeface="微软雅黑" panose="020B0503020204020204" charset="-122"/>
-                <a:ea typeface="微软雅黑" panose="020B0503020204020204" charset="-122"/>
+                <a:latin typeface="微软雅黑" charset="-122"/>
+                <a:ea typeface="微软雅黑" charset="-122"/>
                 <a:sym typeface="+mn-ea"/>
               </a:rPr>
               <a:t> Yahboom</a:t>
@@ -12799,8 +12841,8 @@
                 <a:solidFill>
                   <a:schemeClr val="bg1"/>
                 </a:solidFill>
-                <a:latin typeface="微软雅黑" panose="020B0503020204020204" charset="-122"/>
-                <a:ea typeface="微软雅黑" panose="020B0503020204020204" charset="-122"/>
+                <a:latin typeface="微软雅黑" charset="-122"/>
+                <a:ea typeface="微软雅黑" charset="-122"/>
                 <a:sym typeface="+mn-ea"/>
               </a:rPr>
               <a:t>     </a:t>
@@ -12810,8 +12852,8 @@
                 <a:solidFill>
                   <a:schemeClr val="bg1"/>
                 </a:solidFill>
-                <a:latin typeface="微软雅黑" panose="020B0503020204020204" charset="-122"/>
-                <a:ea typeface="微软雅黑" panose="020B0503020204020204" charset="-122"/>
+                <a:latin typeface="微软雅黑" charset="-122"/>
+                <a:ea typeface="微软雅黑" charset="-122"/>
                 <a:sym typeface="+mn-ea"/>
               </a:rPr>
               <a:t>micro:bit t</a:t>
@@ -12821,8 +12863,8 @@
                 <a:solidFill>
                   <a:schemeClr val="bg1"/>
                 </a:solidFill>
-                <a:latin typeface="微软雅黑" panose="020B0503020204020204" charset="-122"/>
-                <a:ea typeface="微软雅黑" panose="020B0503020204020204" charset="-122"/>
+                <a:latin typeface="微软雅黑" charset="-122"/>
+                <a:ea typeface="微软雅黑" charset="-122"/>
                 <a:sym typeface="+mn-ea"/>
               </a:rPr>
               <a:t>utorial</a:t>
@@ -12831,8 +12873,8 @@
               <a:solidFill>
                 <a:schemeClr val="bg1"/>
               </a:solidFill>
-              <a:latin typeface="微软雅黑" panose="020B0503020204020204" charset="-122"/>
-              <a:ea typeface="微软雅黑" panose="020B0503020204020204" charset="-122"/>
+              <a:latin typeface="微软雅黑" charset="-122"/>
+              <a:ea typeface="微软雅黑" charset="-122"/>
               <a:sym typeface="+mn-ea"/>
             </a:endParaRPr>
           </a:p>
@@ -13426,8 +13468,8 @@
                     </a:srgbClr>
                   </a:outerShdw>
                 </a:effectLst>
-                <a:latin typeface="Arial" panose="020B0604020202020204" pitchFamily="34" charset="0"/>
-                <a:ea typeface="Arial" panose="020B0604020202020204" pitchFamily="34" charset="0"/>
+                <a:latin typeface="Arial" pitchFamily="34" charset="0"/>
+                <a:ea typeface="Arial" pitchFamily="34" charset="0"/>
                 <a:sym typeface="+mn-ea"/>
               </a:rPr>
               <a:t>Hardware</a:t>
@@ -13489,8 +13531,8 @@
                     </a:srgbClr>
                   </a:outerShdw>
                 </a:effectLst>
-                <a:latin typeface="Arial" panose="020B0604020202020204" pitchFamily="34" charset="0"/>
-                <a:ea typeface="Arial" panose="020B0604020202020204" pitchFamily="34" charset="0"/>
+                <a:latin typeface="Arial" pitchFamily="34" charset="0"/>
+                <a:ea typeface="Arial" pitchFamily="34" charset="0"/>
               </a:rPr>
               <a:t>● </a:t>
             </a:r>
@@ -13506,8 +13548,8 @@
                     </a:srgbClr>
                   </a:outerShdw>
                 </a:effectLst>
-                <a:latin typeface="Arial" panose="020B0604020202020204" pitchFamily="34" charset="0"/>
-                <a:ea typeface="Arial" panose="020B0604020202020204" pitchFamily="34" charset="0"/>
+                <a:latin typeface="Arial" pitchFamily="34" charset="0"/>
+                <a:ea typeface="Arial" pitchFamily="34" charset="0"/>
                 <a:sym typeface="+mn-ea"/>
               </a:rPr>
               <a:t>1 X micro:bit Game Handle</a:t>
@@ -13523,8 +13565,8 @@
                   </a:srgbClr>
                 </a:outerShdw>
               </a:effectLst>
-              <a:latin typeface="Arial" panose="020B0604020202020204" pitchFamily="34" charset="0"/>
-              <a:ea typeface="Arial" panose="020B0604020202020204" pitchFamily="34" charset="0"/>
+              <a:latin typeface="Arial" pitchFamily="34" charset="0"/>
+              <a:ea typeface="Arial" pitchFamily="34" charset="0"/>
             </a:endParaRPr>
           </a:p>
           <a:p>
@@ -13540,8 +13582,8 @@
                     </a:srgbClr>
                   </a:outerShdw>
                 </a:effectLst>
-                <a:latin typeface="Arial" panose="020B0604020202020204" pitchFamily="34" charset="0"/>
-                <a:ea typeface="Arial" panose="020B0604020202020204" pitchFamily="34" charset="0"/>
+                <a:latin typeface="Arial" pitchFamily="34" charset="0"/>
+                <a:ea typeface="Arial" pitchFamily="34" charset="0"/>
                 <a:sym typeface="+mn-ea"/>
               </a:rPr>
               <a:t>● 1 X Micro USB Cable</a:t>
@@ -13552,9 +13594,9 @@
                   <a:lumMod val="75000"/>
                 </a:schemeClr>
               </a:solidFill>
-              <a:latin typeface="宋体" panose="02010600030101010101" pitchFamily="2" charset="-122"/>
-              <a:ea typeface="宋体" panose="02010600030101010101" pitchFamily="2" charset="-122"/>
-              <a:cs typeface="宋体" panose="02010600030101010101" pitchFamily="2" charset="-122"/>
+              <a:latin typeface="宋体" pitchFamily="2" charset="-122"/>
+              <a:ea typeface="宋体" pitchFamily="2" charset="-122"/>
+              <a:cs typeface="宋体" pitchFamily="2" charset="-122"/>
             </a:endParaRPr>
           </a:p>
           <a:p>
@@ -13564,8 +13606,8 @@
                   <a:lumMod val="75000"/>
                 </a:schemeClr>
               </a:solidFill>
-              <a:latin typeface="宋体" panose="02010600030101010101" pitchFamily="2" charset="-122"/>
-              <a:ea typeface="宋体" panose="02010600030101010101" pitchFamily="2" charset="-122"/>
+              <a:latin typeface="宋体" pitchFamily="2" charset="-122"/>
+              <a:ea typeface="宋体" pitchFamily="2" charset="-122"/>
             </a:endParaRPr>
           </a:p>
         </p:txBody>
@@ -13595,7 +13637,7 @@
                   <a:schemeClr val="accent2"/>
                 </a:solidFill>
                 <a:latin typeface="+mn-lt"/>
-                <a:ea typeface="微软雅黑" panose="020B0503020204020204" charset="-122"/>
+                <a:ea typeface="微软雅黑" charset="-122"/>
                 <a:cs typeface="+mn-lt"/>
               </a:rPr>
               <a:t>micro:bit p</a:t>
@@ -13606,7 +13648,7 @@
                   <a:schemeClr val="accent2"/>
                 </a:solidFill>
                 <a:latin typeface="+mn-lt"/>
-                <a:ea typeface="微软雅黑" panose="020B0503020204020204" charset="-122"/>
+                <a:ea typeface="微软雅黑" charset="-122"/>
                 <a:cs typeface="+mn-lt"/>
               </a:rPr>
               <a:t>rogramming tutorial</a:t>
@@ -13616,7 +13658,7 @@
                 <a:schemeClr val="accent2"/>
               </a:solidFill>
               <a:latin typeface="+mn-lt"/>
-              <a:ea typeface="微软雅黑" panose="020B0503020204020204" charset="-122"/>
+              <a:ea typeface="微软雅黑" charset="-122"/>
               <a:cs typeface="+mn-lt"/>
             </a:endParaRPr>
           </a:p>
@@ -14017,8 +14059,8 @@
                 <a:solidFill>
                   <a:schemeClr val="bg1"/>
                 </a:solidFill>
-                <a:latin typeface="微软雅黑" panose="020B0503020204020204" charset="-122"/>
-                <a:ea typeface="微软雅黑" panose="020B0503020204020204" charset="-122"/>
+                <a:latin typeface="微软雅黑" charset="-122"/>
+                <a:ea typeface="微软雅黑" charset="-122"/>
                 <a:sym typeface="+mn-ea"/>
               </a:rPr>
               <a:t> Yahboom</a:t>
@@ -14028,8 +14070,8 @@
                 <a:solidFill>
                   <a:schemeClr val="bg1"/>
                 </a:solidFill>
-                <a:latin typeface="微软雅黑" panose="020B0503020204020204" charset="-122"/>
-                <a:ea typeface="微软雅黑" panose="020B0503020204020204" charset="-122"/>
+                <a:latin typeface="微软雅黑" charset="-122"/>
+                <a:ea typeface="微软雅黑" charset="-122"/>
                 <a:sym typeface="+mn-ea"/>
               </a:rPr>
               <a:t>     </a:t>
@@ -14039,8 +14081,8 @@
                 <a:solidFill>
                   <a:schemeClr val="bg1"/>
                 </a:solidFill>
-                <a:latin typeface="微软雅黑" panose="020B0503020204020204" charset="-122"/>
-                <a:ea typeface="微软雅黑" panose="020B0503020204020204" charset="-122"/>
+                <a:latin typeface="微软雅黑" charset="-122"/>
+                <a:ea typeface="微软雅黑" charset="-122"/>
                 <a:sym typeface="+mn-ea"/>
               </a:rPr>
               <a:t>micro:bit t</a:t>
@@ -14050,8 +14092,8 @@
                 <a:solidFill>
                   <a:schemeClr val="bg1"/>
                 </a:solidFill>
-                <a:latin typeface="微软雅黑" panose="020B0503020204020204" charset="-122"/>
-                <a:ea typeface="微软雅黑" panose="020B0503020204020204" charset="-122"/>
+                <a:latin typeface="微软雅黑" charset="-122"/>
+                <a:ea typeface="微软雅黑" charset="-122"/>
                 <a:sym typeface="+mn-ea"/>
               </a:rPr>
               <a:t>utorial</a:t>
@@ -14060,8 +14102,8 @@
               <a:solidFill>
                 <a:schemeClr val="bg1"/>
               </a:solidFill>
-              <a:latin typeface="微软雅黑" panose="020B0503020204020204" charset="-122"/>
-              <a:ea typeface="微软雅黑" panose="020B0503020204020204" charset="-122"/>
+              <a:latin typeface="微软雅黑" charset="-122"/>
+              <a:ea typeface="微软雅黑" charset="-122"/>
               <a:sym typeface="+mn-ea"/>
             </a:endParaRPr>
           </a:p>
@@ -14656,7 +14698,7 @@
                 <a:solidFill>
                   <a:srgbClr val="FF0000"/>
                 </a:solidFill>
-                <a:ea typeface="宋体" panose="02010600030101010101" pitchFamily="2" charset="-122"/>
+                <a:ea typeface="宋体" pitchFamily="2" charset="-122"/>
                 <a:cs typeface="+mn-lt"/>
               </a:rPr>
               <a:t>1.Online:</a:t>
@@ -14666,7 +14708,7 @@
                 <a:solidFill>
                   <a:srgbClr val="FF0000"/>
                 </a:solidFill>
-                <a:ea typeface="宋体" panose="02010600030101010101" pitchFamily="2" charset="-122"/>
+                <a:ea typeface="宋体" pitchFamily="2" charset="-122"/>
                 <a:cs typeface="+mn-lt"/>
                 <a:sym typeface="+mn-ea"/>
               </a:rPr>
@@ -14674,20 +14716,20 @@
             </a:r>
             <a:r>
               <a:rPr sz="3200" baseline="-25000" dirty="0">
-                <a:ea typeface="宋体" panose="02010600030101010101" pitchFamily="2" charset="-122"/>
+                <a:ea typeface="宋体" pitchFamily="2" charset="-122"/>
                 <a:sym typeface="+mn-ea"/>
               </a:rPr>
               <a:t>Connect Micro:bit to the computer via USB cable</a:t>
             </a:r>
             <a:r>
               <a:rPr sz="3200" baseline="-25000" dirty="0">
-                <a:ea typeface="宋体" panose="02010600030101010101" pitchFamily="2" charset="-122"/>
+                <a:ea typeface="宋体" pitchFamily="2" charset="-122"/>
               </a:rPr>
               <a:t>, and the computer will pop up a U disk and click the URL in the U disk to enter the programming interface.</a:t>
             </a:r>
             <a:r>
               <a:rPr sz="3200" baseline="-25000" dirty="0">
-                <a:ea typeface="宋体" panose="02010600030101010101" pitchFamily="2" charset="-122"/>
+                <a:ea typeface="宋体" pitchFamily="2" charset="-122"/>
                 <a:sym typeface="+mn-ea"/>
               </a:rPr>
               <a:t>Enter this URL </a:t>
@@ -14697,27 +14739,27 @@
                 <a:solidFill>
                   <a:srgbClr val="FF0000"/>
                 </a:solidFill>
-                <a:ea typeface="宋体" panose="02010600030101010101" pitchFamily="2" charset="-122"/>
+                <a:ea typeface="宋体" pitchFamily="2" charset="-122"/>
                 <a:sym typeface="+mn-ea"/>
               </a:rPr>
               <a:t>https://github.com/lzty634158/GHBit</a:t>
             </a:r>
             <a:r>
               <a:rPr sz="3200" baseline="-25000" dirty="0">
-                <a:ea typeface="宋体" panose="02010600030101010101" pitchFamily="2" charset="-122"/>
+                <a:ea typeface="宋体" pitchFamily="2" charset="-122"/>
                 <a:sym typeface="+mn-ea"/>
               </a:rPr>
               <a:t> to get the package named GHBit</a:t>
             </a:r>
             <a:r>
               <a:rPr lang="en-US" sz="3200" baseline="-25000" dirty="0">
-                <a:ea typeface="宋体" panose="02010600030101010101" pitchFamily="2" charset="-122"/>
+                <a:ea typeface="宋体" pitchFamily="2" charset="-122"/>
                 <a:sym typeface="+mn-ea"/>
               </a:rPr>
               <a:t>.</a:t>
             </a:r>
             <a:endParaRPr lang="en-US" sz="3200" baseline="-25000" dirty="0">
-              <a:ea typeface="宋体" panose="02010600030101010101" pitchFamily="2" charset="-122"/>
+              <a:ea typeface="宋体" pitchFamily="2" charset="-122"/>
             </a:endParaRPr>
           </a:p>
           <a:p>
@@ -14726,8 +14768,8 @@
               <a:solidFill>
                 <a:schemeClr val="tx1"/>
               </a:solidFill>
-              <a:latin typeface="宋体" panose="02010600030101010101" pitchFamily="2" charset="-122"/>
-              <a:ea typeface="宋体" panose="02010600030101010101" pitchFamily="2" charset="-122"/>
+              <a:latin typeface="宋体" pitchFamily="2" charset="-122"/>
+              <a:ea typeface="宋体" pitchFamily="2" charset="-122"/>
             </a:endParaRPr>
           </a:p>
           <a:p>
@@ -14736,7 +14778,7 @@
                 <a:solidFill>
                   <a:srgbClr val="FF0000"/>
                 </a:solidFill>
-                <a:ea typeface="宋体" panose="02010600030101010101" pitchFamily="2" charset="-122"/>
+                <a:ea typeface="宋体" pitchFamily="2" charset="-122"/>
                 <a:cs typeface="+mn-lt"/>
               </a:rPr>
               <a:t>2.offline：</a:t>
@@ -14746,14 +14788,14 @@
                 <a:solidFill>
                   <a:schemeClr val="tx1"/>
                 </a:solidFill>
-                <a:ea typeface="宋体" panose="02010600030101010101" pitchFamily="2" charset="-122"/>
+                <a:ea typeface="宋体" pitchFamily="2" charset="-122"/>
                 <a:cs typeface="+mn-lt"/>
               </a:rPr>
               <a:t>Open micro:bit offline programming software and add GHBit package.Click on "Advanced" and select "Add Package".</a:t>
             </a:r>
             <a:r>
               <a:rPr sz="3200" baseline="-25000" dirty="0">
-                <a:ea typeface="宋体" panose="02010600030101010101" pitchFamily="2" charset="-122"/>
+                <a:ea typeface="宋体" pitchFamily="2" charset="-122"/>
               </a:rPr>
               <a:t>Enter this URL </a:t>
             </a:r>
@@ -14762,42 +14804,42 @@
                 <a:solidFill>
                   <a:srgbClr val="FF0000"/>
                 </a:solidFill>
-                <a:ea typeface="宋体" panose="02010600030101010101" pitchFamily="2" charset="-122"/>
+                <a:ea typeface="宋体" pitchFamily="2" charset="-122"/>
               </a:rPr>
               <a:t>https://github.com/lzty634158/GHBit</a:t>
             </a:r>
             <a:r>
               <a:rPr sz="3200" baseline="-25000" dirty="0">
-                <a:ea typeface="宋体" panose="02010600030101010101" pitchFamily="2" charset="-122"/>
+                <a:ea typeface="宋体" pitchFamily="2" charset="-122"/>
               </a:rPr>
               <a:t> to get the package named GHBit</a:t>
             </a:r>
             <a:r>
               <a:rPr lang="en-US" sz="3200" baseline="-25000" dirty="0">
-                <a:ea typeface="宋体" panose="02010600030101010101" pitchFamily="2" charset="-122"/>
+                <a:ea typeface="宋体" pitchFamily="2" charset="-122"/>
               </a:rPr>
               <a:t>.</a:t>
             </a:r>
             <a:endParaRPr lang="en-US" sz="3200" baseline="-25000" dirty="0">
-              <a:ea typeface="宋体" panose="02010600030101010101" pitchFamily="2" charset="-122"/>
+              <a:ea typeface="宋体" pitchFamily="2" charset="-122"/>
             </a:endParaRPr>
           </a:p>
           <a:p>
             <a:endParaRPr lang="en-US" sz="3200" baseline="-25000" dirty="0">
-              <a:ea typeface="宋体" panose="02010600030101010101" pitchFamily="2" charset="-122"/>
+              <a:ea typeface="宋体" pitchFamily="2" charset="-122"/>
             </a:endParaRPr>
           </a:p>
           <a:p>
             <a:r>
               <a:rPr lang="en-US" altLang="zh-CN" sz="3200" baseline="-25000" dirty="0">
-                <a:ea typeface="宋体" panose="02010600030101010101" pitchFamily="2" charset="-122"/>
+                <a:ea typeface="宋体" pitchFamily="2" charset="-122"/>
                 <a:cs typeface="+mn-lt"/>
                 <a:sym typeface="+mn-ea"/>
               </a:rPr>
               <a:t>Note: If you already have a GHBit package, you don't need to add it repeatedly.</a:t>
             </a:r>
             <a:endParaRPr lang="en-US" altLang="zh-CN" sz="3200" baseline="-25000" dirty="0">
-              <a:ea typeface="宋体" panose="02010600030101010101" pitchFamily="2" charset="-122"/>
+              <a:ea typeface="宋体" pitchFamily="2" charset="-122"/>
               <a:cs typeface="+mn-lt"/>
             </a:endParaRPr>
           </a:p>
@@ -14838,8 +14880,8 @@
                     </a:srgbClr>
                   </a:outerShdw>
                 </a:effectLst>
-                <a:latin typeface="Arial" panose="020B0604020202020204" pitchFamily="34" charset="0"/>
-                <a:ea typeface="Arial" panose="020B0604020202020204" pitchFamily="34" charset="0"/>
+                <a:latin typeface="Arial" pitchFamily="34" charset="0"/>
+                <a:ea typeface="Arial" pitchFamily="34" charset="0"/>
               </a:rPr>
               <a:t>Two programming methods</a:t>
             </a:r>
@@ -14856,8 +14898,8 @@
                   </a:srgbClr>
                 </a:outerShdw>
               </a:effectLst>
-              <a:latin typeface="Arial" panose="020B0604020202020204" pitchFamily="34" charset="0"/>
-              <a:ea typeface="Arial" panose="020B0604020202020204" pitchFamily="34" charset="0"/>
+              <a:latin typeface="Arial" pitchFamily="34" charset="0"/>
+              <a:ea typeface="Arial" pitchFamily="34" charset="0"/>
             </a:endParaRPr>
           </a:p>
         </p:txBody>
@@ -14887,7 +14929,7 @@
                   <a:schemeClr val="accent2"/>
                 </a:solidFill>
                 <a:latin typeface="+mn-lt"/>
-                <a:ea typeface="微软雅黑" panose="020B0503020204020204" charset="-122"/>
+                <a:ea typeface="微软雅黑" charset="-122"/>
                 <a:cs typeface="+mn-lt"/>
               </a:rPr>
               <a:t>micro:bit p</a:t>
@@ -14898,7 +14940,7 @@
                   <a:schemeClr val="accent2"/>
                 </a:solidFill>
                 <a:latin typeface="+mn-lt"/>
-                <a:ea typeface="微软雅黑" panose="020B0503020204020204" charset="-122"/>
+                <a:ea typeface="微软雅黑" charset="-122"/>
                 <a:cs typeface="+mn-lt"/>
               </a:rPr>
               <a:t>rogramming tutorial</a:t>
@@ -14908,7 +14950,7 @@
                 <a:schemeClr val="accent2"/>
               </a:solidFill>
               <a:latin typeface="+mn-lt"/>
-              <a:ea typeface="微软雅黑" panose="020B0503020204020204" charset="-122"/>
+              <a:ea typeface="微软雅黑" charset="-122"/>
               <a:cs typeface="+mn-lt"/>
             </a:endParaRPr>
           </a:p>
@@ -15309,8 +15351,8 @@
                 <a:solidFill>
                   <a:schemeClr val="bg1"/>
                 </a:solidFill>
-                <a:latin typeface="微软雅黑" panose="020B0503020204020204" charset="-122"/>
-                <a:ea typeface="微软雅黑" panose="020B0503020204020204" charset="-122"/>
+                <a:latin typeface="微软雅黑" charset="-122"/>
+                <a:ea typeface="微软雅黑" charset="-122"/>
                 <a:sym typeface="+mn-ea"/>
               </a:rPr>
               <a:t> Yahboom</a:t>
@@ -15320,8 +15362,8 @@
                 <a:solidFill>
                   <a:schemeClr val="bg1"/>
                 </a:solidFill>
-                <a:latin typeface="微软雅黑" panose="020B0503020204020204" charset="-122"/>
-                <a:ea typeface="微软雅黑" panose="020B0503020204020204" charset="-122"/>
+                <a:latin typeface="微软雅黑" charset="-122"/>
+                <a:ea typeface="微软雅黑" charset="-122"/>
                 <a:sym typeface="+mn-ea"/>
               </a:rPr>
               <a:t>     </a:t>
@@ -15331,8 +15373,8 @@
                 <a:solidFill>
                   <a:schemeClr val="bg1"/>
                 </a:solidFill>
-                <a:latin typeface="微软雅黑" panose="020B0503020204020204" charset="-122"/>
-                <a:ea typeface="微软雅黑" panose="020B0503020204020204" charset="-122"/>
+                <a:latin typeface="微软雅黑" charset="-122"/>
+                <a:ea typeface="微软雅黑" charset="-122"/>
                 <a:sym typeface="+mn-ea"/>
               </a:rPr>
               <a:t>micro:bit t</a:t>
@@ -15342,8 +15384,8 @@
                 <a:solidFill>
                   <a:schemeClr val="bg1"/>
                 </a:solidFill>
-                <a:latin typeface="微软雅黑" panose="020B0503020204020204" charset="-122"/>
-                <a:ea typeface="微软雅黑" panose="020B0503020204020204" charset="-122"/>
+                <a:latin typeface="微软雅黑" charset="-122"/>
+                <a:ea typeface="微软雅黑" charset="-122"/>
                 <a:sym typeface="+mn-ea"/>
               </a:rPr>
               <a:t>utorial</a:t>
@@ -15352,8 +15394,8 @@
               <a:solidFill>
                 <a:schemeClr val="bg1"/>
               </a:solidFill>
-              <a:latin typeface="微软雅黑" panose="020B0503020204020204" charset="-122"/>
-              <a:ea typeface="微软雅黑" panose="020B0503020204020204" charset="-122"/>
+              <a:latin typeface="微软雅黑" charset="-122"/>
+              <a:ea typeface="微软雅黑" charset="-122"/>
               <a:sym typeface="+mn-ea"/>
             </a:endParaRPr>
           </a:p>
@@ -15956,7 +15998,7 @@
                   <a:schemeClr val="accent2"/>
                 </a:solidFill>
                 <a:latin typeface="+mn-lt"/>
-                <a:ea typeface="微软雅黑" panose="020B0503020204020204" charset="-122"/>
+                <a:ea typeface="微软雅黑" charset="-122"/>
                 <a:cs typeface="+mn-lt"/>
               </a:rPr>
               <a:t>micro:bit p</a:t>
@@ -15967,7 +16009,7 @@
                   <a:schemeClr val="accent2"/>
                 </a:solidFill>
                 <a:latin typeface="+mn-lt"/>
-                <a:ea typeface="微软雅黑" panose="020B0503020204020204" charset="-122"/>
+                <a:ea typeface="微软雅黑" charset="-122"/>
                 <a:cs typeface="+mn-lt"/>
               </a:rPr>
               <a:t>rogramming tutorial</a:t>
@@ -15977,7 +16019,7 @@
                 <a:schemeClr val="accent2"/>
               </a:solidFill>
               <a:latin typeface="+mn-lt"/>
-              <a:ea typeface="微软雅黑" panose="020B0503020204020204" charset="-122"/>
+              <a:ea typeface="微软雅黑" charset="-122"/>
               <a:cs typeface="+mn-lt"/>
             </a:endParaRPr>
           </a:p>
@@ -16378,8 +16420,8 @@
                 <a:solidFill>
                   <a:schemeClr val="bg1"/>
                 </a:solidFill>
-                <a:latin typeface="微软雅黑" panose="020B0503020204020204" charset="-122"/>
-                <a:ea typeface="微软雅黑" panose="020B0503020204020204" charset="-122"/>
+                <a:latin typeface="微软雅黑" charset="-122"/>
+                <a:ea typeface="微软雅黑" charset="-122"/>
                 <a:sym typeface="+mn-ea"/>
               </a:rPr>
               <a:t> Yahboom</a:t>
@@ -16389,8 +16431,8 @@
                 <a:solidFill>
                   <a:schemeClr val="bg1"/>
                 </a:solidFill>
-                <a:latin typeface="微软雅黑" panose="020B0503020204020204" charset="-122"/>
-                <a:ea typeface="微软雅黑" panose="020B0503020204020204" charset="-122"/>
+                <a:latin typeface="微软雅黑" charset="-122"/>
+                <a:ea typeface="微软雅黑" charset="-122"/>
                 <a:sym typeface="+mn-ea"/>
               </a:rPr>
               <a:t>     </a:t>
@@ -16400,8 +16442,8 @@
                 <a:solidFill>
                   <a:schemeClr val="bg1"/>
                 </a:solidFill>
-                <a:latin typeface="微软雅黑" panose="020B0503020204020204" charset="-122"/>
-                <a:ea typeface="微软雅黑" panose="020B0503020204020204" charset="-122"/>
+                <a:latin typeface="微软雅黑" charset="-122"/>
+                <a:ea typeface="微软雅黑" charset="-122"/>
                 <a:sym typeface="+mn-ea"/>
               </a:rPr>
               <a:t>micro:bit t</a:t>
@@ -16411,8 +16453,8 @@
                 <a:solidFill>
                   <a:schemeClr val="bg1"/>
                 </a:solidFill>
-                <a:latin typeface="微软雅黑" panose="020B0503020204020204" charset="-122"/>
-                <a:ea typeface="微软雅黑" panose="020B0503020204020204" charset="-122"/>
+                <a:latin typeface="微软雅黑" charset="-122"/>
+                <a:ea typeface="微软雅黑" charset="-122"/>
                 <a:sym typeface="+mn-ea"/>
               </a:rPr>
               <a:t>utorial</a:t>
@@ -16421,8 +16463,8 @@
               <a:solidFill>
                 <a:schemeClr val="bg1"/>
               </a:solidFill>
-              <a:latin typeface="微软雅黑" panose="020B0503020204020204" charset="-122"/>
-              <a:ea typeface="微软雅黑" panose="020B0503020204020204" charset="-122"/>
+              <a:latin typeface="微软雅黑" charset="-122"/>
+              <a:ea typeface="微软雅黑" charset="-122"/>
               <a:sym typeface="+mn-ea"/>
             </a:endParaRPr>
           </a:p>
@@ -17113,7 +17155,7 @@
                   <a:schemeClr val="accent2"/>
                 </a:solidFill>
                 <a:latin typeface="+mn-lt"/>
-                <a:ea typeface="微软雅黑" panose="020B0503020204020204" charset="-122"/>
+                <a:ea typeface="微软雅黑" charset="-122"/>
                 <a:cs typeface="+mn-lt"/>
               </a:rPr>
               <a:t>micro:bit p</a:t>
@@ -17124,7 +17166,7 @@
                   <a:schemeClr val="accent2"/>
                 </a:solidFill>
                 <a:latin typeface="+mn-lt"/>
-                <a:ea typeface="微软雅黑" panose="020B0503020204020204" charset="-122"/>
+                <a:ea typeface="微软雅黑" charset="-122"/>
                 <a:cs typeface="+mn-lt"/>
               </a:rPr>
               <a:t>rogramming tutorial</a:t>
@@ -17134,7 +17176,7 @@
                 <a:schemeClr val="accent2"/>
               </a:solidFill>
               <a:latin typeface="+mn-lt"/>
-              <a:ea typeface="微软雅黑" panose="020B0503020204020204" charset="-122"/>
+              <a:ea typeface="微软雅黑" charset="-122"/>
               <a:cs typeface="+mn-lt"/>
             </a:endParaRPr>
           </a:p>
@@ -17536,8 +17578,8 @@
                 <a:solidFill>
                   <a:schemeClr val="bg1"/>
                 </a:solidFill>
-                <a:latin typeface="微软雅黑" panose="020B0503020204020204" charset="-122"/>
-                <a:ea typeface="微软雅黑" panose="020B0503020204020204" charset="-122"/>
+                <a:latin typeface="微软雅黑" charset="-122"/>
+                <a:ea typeface="微软雅黑" charset="-122"/>
                 <a:sym typeface="+mn-ea"/>
               </a:rPr>
               <a:t> Yahboom</a:t>
@@ -17547,8 +17589,8 @@
                 <a:solidFill>
                   <a:schemeClr val="bg1"/>
                 </a:solidFill>
-                <a:latin typeface="微软雅黑" panose="020B0503020204020204" charset="-122"/>
-                <a:ea typeface="微软雅黑" panose="020B0503020204020204" charset="-122"/>
+                <a:latin typeface="微软雅黑" charset="-122"/>
+                <a:ea typeface="微软雅黑" charset="-122"/>
                 <a:sym typeface="+mn-ea"/>
               </a:rPr>
               <a:t>     </a:t>
@@ -17558,8 +17600,8 @@
                 <a:solidFill>
                   <a:schemeClr val="bg1"/>
                 </a:solidFill>
-                <a:latin typeface="微软雅黑" panose="020B0503020204020204" charset="-122"/>
-                <a:ea typeface="微软雅黑" panose="020B0503020204020204" charset="-122"/>
+                <a:latin typeface="微软雅黑" charset="-122"/>
+                <a:ea typeface="微软雅黑" charset="-122"/>
                 <a:sym typeface="+mn-ea"/>
               </a:rPr>
               <a:t>micro:bit t</a:t>
@@ -17569,8 +17611,8 @@
                 <a:solidFill>
                   <a:schemeClr val="bg1"/>
                 </a:solidFill>
-                <a:latin typeface="微软雅黑" panose="020B0503020204020204" charset="-122"/>
-                <a:ea typeface="微软雅黑" panose="020B0503020204020204" charset="-122"/>
+                <a:latin typeface="微软雅黑" charset="-122"/>
+                <a:ea typeface="微软雅黑" charset="-122"/>
                 <a:sym typeface="+mn-ea"/>
               </a:rPr>
               <a:t>utorial</a:t>
@@ -17579,8 +17621,8 @@
               <a:solidFill>
                 <a:schemeClr val="bg1"/>
               </a:solidFill>
-              <a:latin typeface="微软雅黑" panose="020B0503020204020204" charset="-122"/>
-              <a:ea typeface="微软雅黑" panose="020B0503020204020204" charset="-122"/>
+              <a:latin typeface="微软雅黑" charset="-122"/>
+              <a:ea typeface="微软雅黑" charset="-122"/>
               <a:sym typeface="+mn-ea"/>
             </a:endParaRPr>
           </a:p>
@@ -17639,8 +17681,8 @@
                     <a:lumMod val="75000"/>
                   </a:schemeClr>
                 </a:solidFill>
-                <a:latin typeface="微软雅黑 Light" panose="020B0502040204020203" charset="-122"/>
-                <a:ea typeface="微软雅黑 Light" panose="020B0502040204020203" charset="-122"/>
+                <a:latin typeface="微软雅黑 Light" charset="-122"/>
+                <a:ea typeface="微软雅黑 Light" charset="-122"/>
               </a:rPr>
               <a:t>     </a:t>
             </a:r>
@@ -18435,7 +18477,7 @@
                   <a:schemeClr val="accent2"/>
                 </a:solidFill>
                 <a:latin typeface="+mn-lt"/>
-                <a:ea typeface="微软雅黑" panose="020B0503020204020204" charset="-122"/>
+                <a:ea typeface="微软雅黑" charset="-122"/>
                 <a:cs typeface="+mn-lt"/>
               </a:rPr>
               <a:t>micro:bit p</a:t>
@@ -18446,7 +18488,7 @@
                   <a:schemeClr val="accent2"/>
                 </a:solidFill>
                 <a:latin typeface="+mn-lt"/>
-                <a:ea typeface="微软雅黑" panose="020B0503020204020204" charset="-122"/>
+                <a:ea typeface="微软雅黑" charset="-122"/>
                 <a:cs typeface="+mn-lt"/>
               </a:rPr>
               <a:t>rogramming tutorial</a:t>
@@ -18456,7 +18498,7 @@
                 <a:schemeClr val="accent2"/>
               </a:solidFill>
               <a:latin typeface="+mn-lt"/>
-              <a:ea typeface="微软雅黑" panose="020B0503020204020204" charset="-122"/>
+              <a:ea typeface="微软雅黑" charset="-122"/>
               <a:cs typeface="+mn-lt"/>
             </a:endParaRPr>
           </a:p>
@@ -18857,8 +18899,8 @@
                 <a:solidFill>
                   <a:schemeClr val="bg1"/>
                 </a:solidFill>
-                <a:latin typeface="微软雅黑" panose="020B0503020204020204" charset="-122"/>
-                <a:ea typeface="微软雅黑" panose="020B0503020204020204" charset="-122"/>
+                <a:latin typeface="微软雅黑" charset="-122"/>
+                <a:ea typeface="微软雅黑" charset="-122"/>
                 <a:sym typeface="+mn-ea"/>
               </a:rPr>
               <a:t> Yahboom</a:t>
@@ -18868,8 +18910,8 @@
                 <a:solidFill>
                   <a:schemeClr val="bg1"/>
                 </a:solidFill>
-                <a:latin typeface="微软雅黑" panose="020B0503020204020204" charset="-122"/>
-                <a:ea typeface="微软雅黑" panose="020B0503020204020204" charset="-122"/>
+                <a:latin typeface="微软雅黑" charset="-122"/>
+                <a:ea typeface="微软雅黑" charset="-122"/>
                 <a:sym typeface="+mn-ea"/>
               </a:rPr>
               <a:t>     </a:t>
@@ -18879,8 +18921,8 @@
                 <a:solidFill>
                   <a:schemeClr val="bg1"/>
                 </a:solidFill>
-                <a:latin typeface="微软雅黑" panose="020B0503020204020204" charset="-122"/>
-                <a:ea typeface="微软雅黑" panose="020B0503020204020204" charset="-122"/>
+                <a:latin typeface="微软雅黑" charset="-122"/>
+                <a:ea typeface="微软雅黑" charset="-122"/>
                 <a:sym typeface="+mn-ea"/>
               </a:rPr>
               <a:t>micro:bit t</a:t>
@@ -18890,8 +18932,8 @@
                 <a:solidFill>
                   <a:schemeClr val="bg1"/>
                 </a:solidFill>
-                <a:latin typeface="微软雅黑" panose="020B0503020204020204" charset="-122"/>
-                <a:ea typeface="微软雅黑" panose="020B0503020204020204" charset="-122"/>
+                <a:latin typeface="微软雅黑" charset="-122"/>
+                <a:ea typeface="微软雅黑" charset="-122"/>
                 <a:sym typeface="+mn-ea"/>
               </a:rPr>
               <a:t>utorial</a:t>
@@ -18900,8 +18942,8 @@
               <a:solidFill>
                 <a:schemeClr val="bg1"/>
               </a:solidFill>
-              <a:latin typeface="微软雅黑" panose="020B0503020204020204" charset="-122"/>
-              <a:ea typeface="微软雅黑" panose="020B0503020204020204" charset="-122"/>
+              <a:latin typeface="微软雅黑" charset="-122"/>
+              <a:ea typeface="微软雅黑" charset="-122"/>
               <a:sym typeface="+mn-ea"/>
             </a:endParaRPr>
           </a:p>
@@ -19491,7 +19533,7 @@
                     <a:lumMod val="75000"/>
                   </a:schemeClr>
                 </a:solidFill>
-                <a:ea typeface="微软雅黑 Light" panose="020B0502040204020203" charset="-122"/>
+                <a:ea typeface="微软雅黑 Light" charset="-122"/>
                 <a:cs typeface="+mn-lt"/>
               </a:rPr>
               <a:t>      </a:t>
@@ -19503,7 +19545,7 @@
                     <a:lumMod val="75000"/>
                   </a:schemeClr>
                 </a:solidFill>
-                <a:ea typeface="微软雅黑 Light" panose="020B0502040204020203" charset="-122"/>
+                <a:ea typeface="微软雅黑 Light" charset="-122"/>
                 <a:cs typeface="+mn-lt"/>
               </a:rPr>
               <a:t>When there are many choices, you can click on the pinion above. Drag the "else if" on the left to the bottom of the "if" on the right, and click on the pinion again.</a:t>
@@ -19514,7 +19556,7 @@
                   <a:lumMod val="75000"/>
                 </a:schemeClr>
               </a:solidFill>
-              <a:ea typeface="微软雅黑 Light" panose="020B0502040204020203" charset="-122"/>
+              <a:ea typeface="微软雅黑 Light" charset="-122"/>
               <a:cs typeface="+mn-lt"/>
             </a:endParaRPr>
           </a:p>
@@ -19569,7 +19611,7 @@
                   <a:schemeClr val="accent2"/>
                 </a:solidFill>
                 <a:latin typeface="+mn-lt"/>
-                <a:ea typeface="微软雅黑" panose="020B0503020204020204" charset="-122"/>
+                <a:ea typeface="微软雅黑" charset="-122"/>
                 <a:cs typeface="+mn-lt"/>
               </a:rPr>
               <a:t>micro:bit p</a:t>
@@ -19580,7 +19622,7 @@
                   <a:schemeClr val="accent2"/>
                 </a:solidFill>
                 <a:latin typeface="+mn-lt"/>
-                <a:ea typeface="微软雅黑" panose="020B0503020204020204" charset="-122"/>
+                <a:ea typeface="微软雅黑" charset="-122"/>
                 <a:cs typeface="+mn-lt"/>
               </a:rPr>
               <a:t>rogramming tutorial</a:t>
@@ -19590,7 +19632,7 @@
                 <a:schemeClr val="accent2"/>
               </a:solidFill>
               <a:latin typeface="+mn-lt"/>
-              <a:ea typeface="微软雅黑" panose="020B0503020204020204" charset="-122"/>
+              <a:ea typeface="微软雅黑" charset="-122"/>
               <a:cs typeface="+mn-lt"/>
             </a:endParaRPr>
           </a:p>
@@ -19991,8 +20033,8 @@
                 <a:solidFill>
                   <a:schemeClr val="bg1"/>
                 </a:solidFill>
-                <a:latin typeface="微软雅黑" panose="020B0503020204020204" charset="-122"/>
-                <a:ea typeface="微软雅黑" panose="020B0503020204020204" charset="-122"/>
+                <a:latin typeface="微软雅黑" charset="-122"/>
+                <a:ea typeface="微软雅黑" charset="-122"/>
                 <a:sym typeface="+mn-ea"/>
               </a:rPr>
               <a:t> Yahboom</a:t>
@@ -20002,8 +20044,8 @@
                 <a:solidFill>
                   <a:schemeClr val="bg1"/>
                 </a:solidFill>
-                <a:latin typeface="微软雅黑" panose="020B0503020204020204" charset="-122"/>
-                <a:ea typeface="微软雅黑" panose="020B0503020204020204" charset="-122"/>
+                <a:latin typeface="微软雅黑" charset="-122"/>
+                <a:ea typeface="微软雅黑" charset="-122"/>
                 <a:sym typeface="+mn-ea"/>
               </a:rPr>
               <a:t>     </a:t>
@@ -20013,8 +20055,8 @@
                 <a:solidFill>
                   <a:schemeClr val="bg1"/>
                 </a:solidFill>
-                <a:latin typeface="微软雅黑" panose="020B0503020204020204" charset="-122"/>
-                <a:ea typeface="微软雅黑" panose="020B0503020204020204" charset="-122"/>
+                <a:latin typeface="微软雅黑" charset="-122"/>
+                <a:ea typeface="微软雅黑" charset="-122"/>
                 <a:sym typeface="+mn-ea"/>
               </a:rPr>
               <a:t>micro:bit t</a:t>
@@ -20024,8 +20066,8 @@
                 <a:solidFill>
                   <a:schemeClr val="bg1"/>
                 </a:solidFill>
-                <a:latin typeface="微软雅黑" panose="020B0503020204020204" charset="-122"/>
-                <a:ea typeface="微软雅黑" panose="020B0503020204020204" charset="-122"/>
+                <a:latin typeface="微软雅黑" charset="-122"/>
+                <a:ea typeface="微软雅黑" charset="-122"/>
                 <a:sym typeface="+mn-ea"/>
               </a:rPr>
               <a:t>utorial</a:t>
@@ -20034,8 +20076,8 @@
               <a:solidFill>
                 <a:schemeClr val="bg1"/>
               </a:solidFill>
-              <a:latin typeface="微软雅黑" panose="020B0503020204020204" charset="-122"/>
-              <a:ea typeface="微软雅黑" panose="020B0503020204020204" charset="-122"/>
+              <a:latin typeface="微软雅黑" charset="-122"/>
+              <a:ea typeface="微软雅黑" charset="-122"/>
               <a:sym typeface="+mn-ea"/>
             </a:endParaRPr>
           </a:p>
@@ -20300,6 +20342,8 @@
       </a:bgFillStyleLst>
     </a:fmtScheme>
   </a:themeElements>
+  <a:objectDefaults/>
+  <a:extraClrSchemeLst/>
   <a:extLst>
     <a:ext uri="{05A4C25C-085E-4340-85A3-A5531E510DB2}">
       <thm15:themeFamily xmlns:thm15="http://schemas.microsoft.com/office/thememl/2012/main" name="Office Theme" id="{62F939B6-93AF-4DB8-9C6B-D6C7DFDC589F}" vid="{4A3C46E8-61CC-4603-A589-7422A47A8E4A}"/>
